--- a/doc/nqna.pptx
+++ b/doc/nqna.pptx
@@ -4,9 +4,15 @@
   <p:sldMasterIdLst>
     <p:sldMasterId id="2147483648" r:id="rId1"/>
   </p:sldMasterIdLst>
+  <p:notesMasterIdLst>
+    <p:notesMasterId r:id="rId7"/>
+  </p:notesMasterIdLst>
   <p:sldIdLst>
     <p:sldId id="266" r:id="rId2"/>
-    <p:sldId id="267" r:id="rId3"/>
+    <p:sldId id="271" r:id="rId3"/>
+    <p:sldId id="267" r:id="rId4"/>
+    <p:sldId id="269" r:id="rId5"/>
+    <p:sldId id="270" r:id="rId6"/>
   </p:sldIdLst>
   <p:sldSz cx="9144000" cy="6858000" type="screen4x3"/>
   <p:notesSz cx="6794500" cy="9906000"/>
@@ -108,6 +114,440 @@
 </p:presentation>
 </file>
 
+<file path=ppt/notesMasters/notesMaster1.xml><?xml version="1.0" encoding="utf-8"?>
+<p:notesMaster xmlns:a="http://schemas.openxmlformats.org/drawingml/2006/main" xmlns:r="http://schemas.openxmlformats.org/officeDocument/2006/relationships" xmlns:p="http://schemas.openxmlformats.org/presentationml/2006/main">
+  <p:cSld>
+    <p:bg>
+      <p:bgRef idx="1001">
+        <a:schemeClr val="bg1"/>
+      </p:bgRef>
+    </p:bg>
+    <p:spTree>
+      <p:nvGrpSpPr>
+        <p:cNvPr id="1" name=""/>
+        <p:cNvGrpSpPr/>
+        <p:nvPr/>
+      </p:nvGrpSpPr>
+      <p:grpSpPr>
+        <a:xfrm>
+          <a:off x="0" y="0"/>
+          <a:ext cx="0" cy="0"/>
+          <a:chOff x="0" y="0"/>
+          <a:chExt cx="0" cy="0"/>
+        </a:xfrm>
+      </p:grpSpPr>
+      <p:sp>
+        <p:nvSpPr>
+          <p:cNvPr id="2" name="머리글 개체 틀 1"/>
+          <p:cNvSpPr>
+            <a:spLocks noGrp="1"/>
+          </p:cNvSpPr>
+          <p:nvPr>
+            <p:ph type="hdr" sz="quarter"/>
+          </p:nvPr>
+        </p:nvSpPr>
+        <p:spPr>
+          <a:xfrm>
+            <a:off x="0" y="0"/>
+            <a:ext cx="2944813" cy="495300"/>
+          </a:xfrm>
+          <a:prstGeom prst="rect">
+            <a:avLst/>
+          </a:prstGeom>
+        </p:spPr>
+        <p:txBody>
+          <a:bodyPr vert="horz" lIns="91440" tIns="45720" rIns="91440" bIns="45720" rtlCol="0"/>
+          <a:lstStyle>
+            <a:lvl1pPr algn="l">
+              <a:defRPr sz="1200"/>
+            </a:lvl1pPr>
+          </a:lstStyle>
+          <a:p>
+            <a:endParaRPr lang="ko-KR" altLang="en-US"/>
+          </a:p>
+        </p:txBody>
+      </p:sp>
+      <p:sp>
+        <p:nvSpPr>
+          <p:cNvPr id="3" name="날짜 개체 틀 2"/>
+          <p:cNvSpPr>
+            <a:spLocks noGrp="1"/>
+          </p:cNvSpPr>
+          <p:nvPr>
+            <p:ph type="dt" idx="1"/>
+          </p:nvPr>
+        </p:nvSpPr>
+        <p:spPr>
+          <a:xfrm>
+            <a:off x="3848100" y="0"/>
+            <a:ext cx="2944813" cy="495300"/>
+          </a:xfrm>
+          <a:prstGeom prst="rect">
+            <a:avLst/>
+          </a:prstGeom>
+        </p:spPr>
+        <p:txBody>
+          <a:bodyPr vert="horz" lIns="91440" tIns="45720" rIns="91440" bIns="45720" rtlCol="0"/>
+          <a:lstStyle>
+            <a:lvl1pPr algn="r">
+              <a:defRPr sz="1200"/>
+            </a:lvl1pPr>
+          </a:lstStyle>
+          <a:p>
+            <a:fld id="{0170C521-B5D2-46D4-A410-FF1D7907EC44}" type="datetimeFigureOut">
+              <a:rPr lang="ko-KR" altLang="en-US" smtClean="0"/>
+              <a:t>2015. 10. 12.</a:t>
+            </a:fld>
+            <a:endParaRPr lang="ko-KR" altLang="en-US"/>
+          </a:p>
+        </p:txBody>
+      </p:sp>
+      <p:sp>
+        <p:nvSpPr>
+          <p:cNvPr id="4" name="슬라이드 이미지 개체 틀 3"/>
+          <p:cNvSpPr>
+            <a:spLocks noGrp="1" noRot="1" noChangeAspect="1"/>
+          </p:cNvSpPr>
+          <p:nvPr>
+            <p:ph type="sldImg" idx="2"/>
+          </p:nvPr>
+        </p:nvSpPr>
+        <p:spPr>
+          <a:xfrm>
+            <a:off x="920750" y="742950"/>
+            <a:ext cx="4953000" cy="3714750"/>
+          </a:xfrm>
+          <a:prstGeom prst="rect">
+            <a:avLst/>
+          </a:prstGeom>
+          <a:noFill/>
+          <a:ln w="12700">
+            <a:solidFill>
+              <a:prstClr val="black"/>
+            </a:solidFill>
+          </a:ln>
+        </p:spPr>
+        <p:txBody>
+          <a:bodyPr vert="horz" lIns="91440" tIns="45720" rIns="91440" bIns="45720" rtlCol="0" anchor="ctr"/>
+          <a:lstStyle/>
+          <a:p>
+            <a:endParaRPr lang="ko-KR" altLang="en-US"/>
+          </a:p>
+        </p:txBody>
+      </p:sp>
+      <p:sp>
+        <p:nvSpPr>
+          <p:cNvPr id="5" name="슬라이드 노트 개체 틀 4"/>
+          <p:cNvSpPr>
+            <a:spLocks noGrp="1"/>
+          </p:cNvSpPr>
+          <p:nvPr>
+            <p:ph type="body" sz="quarter" idx="3"/>
+          </p:nvPr>
+        </p:nvSpPr>
+        <p:spPr>
+          <a:xfrm>
+            <a:off x="679450" y="4705350"/>
+            <a:ext cx="5435600" cy="4457700"/>
+          </a:xfrm>
+          <a:prstGeom prst="rect">
+            <a:avLst/>
+          </a:prstGeom>
+        </p:spPr>
+        <p:txBody>
+          <a:bodyPr vert="horz" lIns="91440" tIns="45720" rIns="91440" bIns="45720" rtlCol="0"/>
+          <a:lstStyle/>
+          <a:p>
+            <a:pPr lvl="0"/>
+            <a:r>
+              <a:rPr lang="ko-KR" altLang="en-US" smtClean="0"/>
+              <a:t>마스터 텍스트 스타일을 편집합니다</a:t>
+            </a:r>
+          </a:p>
+          <a:p>
+            <a:pPr lvl="1"/>
+            <a:r>
+              <a:rPr lang="ko-KR" altLang="en-US" smtClean="0"/>
+              <a:t>둘째 수준</a:t>
+            </a:r>
+          </a:p>
+          <a:p>
+            <a:pPr lvl="2"/>
+            <a:r>
+              <a:rPr lang="ko-KR" altLang="en-US" smtClean="0"/>
+              <a:t>셋째 수준</a:t>
+            </a:r>
+          </a:p>
+          <a:p>
+            <a:pPr lvl="3"/>
+            <a:r>
+              <a:rPr lang="ko-KR" altLang="en-US" smtClean="0"/>
+              <a:t>넷째 수준</a:t>
+            </a:r>
+          </a:p>
+          <a:p>
+            <a:pPr lvl="4"/>
+            <a:r>
+              <a:rPr lang="ko-KR" altLang="en-US" smtClean="0"/>
+              <a:t>다섯째 수준</a:t>
+            </a:r>
+            <a:endParaRPr lang="ko-KR" altLang="en-US"/>
+          </a:p>
+        </p:txBody>
+      </p:sp>
+      <p:sp>
+        <p:nvSpPr>
+          <p:cNvPr id="6" name="바닥글 개체 틀 5"/>
+          <p:cNvSpPr>
+            <a:spLocks noGrp="1"/>
+          </p:cNvSpPr>
+          <p:nvPr>
+            <p:ph type="ftr" sz="quarter" idx="4"/>
+          </p:nvPr>
+        </p:nvSpPr>
+        <p:spPr>
+          <a:xfrm>
+            <a:off x="0" y="9409113"/>
+            <a:ext cx="2944813" cy="495300"/>
+          </a:xfrm>
+          <a:prstGeom prst="rect">
+            <a:avLst/>
+          </a:prstGeom>
+        </p:spPr>
+        <p:txBody>
+          <a:bodyPr vert="horz" lIns="91440" tIns="45720" rIns="91440" bIns="45720" rtlCol="0" anchor="b"/>
+          <a:lstStyle>
+            <a:lvl1pPr algn="l">
+              <a:defRPr sz="1200"/>
+            </a:lvl1pPr>
+          </a:lstStyle>
+          <a:p>
+            <a:endParaRPr lang="ko-KR" altLang="en-US"/>
+          </a:p>
+        </p:txBody>
+      </p:sp>
+      <p:sp>
+        <p:nvSpPr>
+          <p:cNvPr id="7" name="슬라이드 번호 개체 틀 6"/>
+          <p:cNvSpPr>
+            <a:spLocks noGrp="1"/>
+          </p:cNvSpPr>
+          <p:nvPr>
+            <p:ph type="sldNum" sz="quarter" idx="5"/>
+          </p:nvPr>
+        </p:nvSpPr>
+        <p:spPr>
+          <a:xfrm>
+            <a:off x="3848100" y="9409113"/>
+            <a:ext cx="2944813" cy="495300"/>
+          </a:xfrm>
+          <a:prstGeom prst="rect">
+            <a:avLst/>
+          </a:prstGeom>
+        </p:spPr>
+        <p:txBody>
+          <a:bodyPr vert="horz" lIns="91440" tIns="45720" rIns="91440" bIns="45720" rtlCol="0" anchor="b"/>
+          <a:lstStyle>
+            <a:lvl1pPr algn="r">
+              <a:defRPr sz="1200"/>
+            </a:lvl1pPr>
+          </a:lstStyle>
+          <a:p>
+            <a:fld id="{0BB6682C-51BD-40A6-86A3-2543416F7D29}" type="slidenum">
+              <a:rPr lang="ko-KR" altLang="en-US" smtClean="0"/>
+              <a:t>‹#›</a:t>
+            </a:fld>
+            <a:endParaRPr lang="ko-KR" altLang="en-US"/>
+          </a:p>
+        </p:txBody>
+      </p:sp>
+    </p:spTree>
+    <p:extLst>
+      <p:ext uri="{BB962C8B-B14F-4D97-AF65-F5344CB8AC3E}">
+        <p14:creationId xmlns:p14="http://schemas.microsoft.com/office/powerpoint/2010/main" val="4138012073"/>
+      </p:ext>
+    </p:extLst>
+  </p:cSld>
+  <p:clrMap bg1="lt1" tx1="dk1" bg2="lt2" tx2="dk2" accent1="accent1" accent2="accent2" accent3="accent3" accent4="accent4" accent5="accent5" accent6="accent6" hlink="hlink" folHlink="folHlink"/>
+  <p:notesStyle>
+    <a:lvl1pPr marL="0" algn="l" defTabSz="914400" rtl="0" eaLnBrk="1" latinLnBrk="1" hangingPunct="1">
+      <a:defRPr sz="1200" kern="1200">
+        <a:solidFill>
+          <a:schemeClr val="tx1"/>
+        </a:solidFill>
+        <a:latin typeface="+mn-lt"/>
+        <a:ea typeface="+mn-ea"/>
+        <a:cs typeface="+mn-cs"/>
+      </a:defRPr>
+    </a:lvl1pPr>
+    <a:lvl2pPr marL="457200" algn="l" defTabSz="914400" rtl="0" eaLnBrk="1" latinLnBrk="1" hangingPunct="1">
+      <a:defRPr sz="1200" kern="1200">
+        <a:solidFill>
+          <a:schemeClr val="tx1"/>
+        </a:solidFill>
+        <a:latin typeface="+mn-lt"/>
+        <a:ea typeface="+mn-ea"/>
+        <a:cs typeface="+mn-cs"/>
+      </a:defRPr>
+    </a:lvl2pPr>
+    <a:lvl3pPr marL="914400" algn="l" defTabSz="914400" rtl="0" eaLnBrk="1" latinLnBrk="1" hangingPunct="1">
+      <a:defRPr sz="1200" kern="1200">
+        <a:solidFill>
+          <a:schemeClr val="tx1"/>
+        </a:solidFill>
+        <a:latin typeface="+mn-lt"/>
+        <a:ea typeface="+mn-ea"/>
+        <a:cs typeface="+mn-cs"/>
+      </a:defRPr>
+    </a:lvl3pPr>
+    <a:lvl4pPr marL="1371600" algn="l" defTabSz="914400" rtl="0" eaLnBrk="1" latinLnBrk="1" hangingPunct="1">
+      <a:defRPr sz="1200" kern="1200">
+        <a:solidFill>
+          <a:schemeClr val="tx1"/>
+        </a:solidFill>
+        <a:latin typeface="+mn-lt"/>
+        <a:ea typeface="+mn-ea"/>
+        <a:cs typeface="+mn-cs"/>
+      </a:defRPr>
+    </a:lvl4pPr>
+    <a:lvl5pPr marL="1828800" algn="l" defTabSz="914400" rtl="0" eaLnBrk="1" latinLnBrk="1" hangingPunct="1">
+      <a:defRPr sz="1200" kern="1200">
+        <a:solidFill>
+          <a:schemeClr val="tx1"/>
+        </a:solidFill>
+        <a:latin typeface="+mn-lt"/>
+        <a:ea typeface="+mn-ea"/>
+        <a:cs typeface="+mn-cs"/>
+      </a:defRPr>
+    </a:lvl5pPr>
+    <a:lvl6pPr marL="2286000" algn="l" defTabSz="914400" rtl="0" eaLnBrk="1" latinLnBrk="1" hangingPunct="1">
+      <a:defRPr sz="1200" kern="1200">
+        <a:solidFill>
+          <a:schemeClr val="tx1"/>
+        </a:solidFill>
+        <a:latin typeface="+mn-lt"/>
+        <a:ea typeface="+mn-ea"/>
+        <a:cs typeface="+mn-cs"/>
+      </a:defRPr>
+    </a:lvl6pPr>
+    <a:lvl7pPr marL="2743200" algn="l" defTabSz="914400" rtl="0" eaLnBrk="1" latinLnBrk="1" hangingPunct="1">
+      <a:defRPr sz="1200" kern="1200">
+        <a:solidFill>
+          <a:schemeClr val="tx1"/>
+        </a:solidFill>
+        <a:latin typeface="+mn-lt"/>
+        <a:ea typeface="+mn-ea"/>
+        <a:cs typeface="+mn-cs"/>
+      </a:defRPr>
+    </a:lvl7pPr>
+    <a:lvl8pPr marL="3200400" algn="l" defTabSz="914400" rtl="0" eaLnBrk="1" latinLnBrk="1" hangingPunct="1">
+      <a:defRPr sz="1200" kern="1200">
+        <a:solidFill>
+          <a:schemeClr val="tx1"/>
+        </a:solidFill>
+        <a:latin typeface="+mn-lt"/>
+        <a:ea typeface="+mn-ea"/>
+        <a:cs typeface="+mn-cs"/>
+      </a:defRPr>
+    </a:lvl8pPr>
+    <a:lvl9pPr marL="3657600" algn="l" defTabSz="914400" rtl="0" eaLnBrk="1" latinLnBrk="1" hangingPunct="1">
+      <a:defRPr sz="1200" kern="1200">
+        <a:solidFill>
+          <a:schemeClr val="tx1"/>
+        </a:solidFill>
+        <a:latin typeface="+mn-lt"/>
+        <a:ea typeface="+mn-ea"/>
+        <a:cs typeface="+mn-cs"/>
+      </a:defRPr>
+    </a:lvl9pPr>
+  </p:notesStyle>
+</p:notesMaster>
+</file>
+
+<file path=ppt/notesSlides/notesSlide1.xml><?xml version="1.0" encoding="utf-8"?>
+<p:notes xmlns:a="http://schemas.openxmlformats.org/drawingml/2006/main" xmlns:r="http://schemas.openxmlformats.org/officeDocument/2006/relationships" xmlns:p="http://schemas.openxmlformats.org/presentationml/2006/main">
+  <p:cSld>
+    <p:spTree>
+      <p:nvGrpSpPr>
+        <p:cNvPr id="1" name=""/>
+        <p:cNvGrpSpPr/>
+        <p:nvPr/>
+      </p:nvGrpSpPr>
+      <p:grpSpPr>
+        <a:xfrm>
+          <a:off x="0" y="0"/>
+          <a:ext cx="0" cy="0"/>
+          <a:chOff x="0" y="0"/>
+          <a:chExt cx="0" cy="0"/>
+        </a:xfrm>
+      </p:grpSpPr>
+      <p:sp>
+        <p:nvSpPr>
+          <p:cNvPr id="2" name="슬라이드 이미지 개체 틀 1"/>
+          <p:cNvSpPr>
+            <a:spLocks noGrp="1" noRot="1" noChangeAspect="1"/>
+          </p:cNvSpPr>
+          <p:nvPr>
+            <p:ph type="sldImg"/>
+          </p:nvPr>
+        </p:nvSpPr>
+        <p:spPr/>
+      </p:sp>
+      <p:sp>
+        <p:nvSpPr>
+          <p:cNvPr id="3" name="슬라이드 노트 개체 틀 2"/>
+          <p:cNvSpPr>
+            <a:spLocks noGrp="1"/>
+          </p:cNvSpPr>
+          <p:nvPr>
+            <p:ph type="body" idx="1"/>
+          </p:nvPr>
+        </p:nvSpPr>
+        <p:spPr/>
+        <p:txBody>
+          <a:bodyPr/>
+          <a:lstStyle/>
+          <a:p>
+            <a:endParaRPr lang="ko-KR" altLang="en-US"/>
+          </a:p>
+        </p:txBody>
+      </p:sp>
+      <p:sp>
+        <p:nvSpPr>
+          <p:cNvPr id="4" name="슬라이드 번호 개체 틀 3"/>
+          <p:cNvSpPr>
+            <a:spLocks noGrp="1"/>
+          </p:cNvSpPr>
+          <p:nvPr>
+            <p:ph type="sldNum" sz="quarter" idx="10"/>
+          </p:nvPr>
+        </p:nvSpPr>
+        <p:spPr/>
+        <p:txBody>
+          <a:bodyPr/>
+          <a:lstStyle/>
+          <a:p>
+            <a:fld id="{0BB6682C-51BD-40A6-86A3-2543416F7D29}" type="slidenum">
+              <a:rPr lang="ko-KR" altLang="en-US" smtClean="0"/>
+              <a:t>5</a:t>
+            </a:fld>
+            <a:endParaRPr lang="ko-KR" altLang="en-US"/>
+          </a:p>
+        </p:txBody>
+      </p:sp>
+    </p:spTree>
+    <p:extLst>
+      <p:ext uri="{BB962C8B-B14F-4D97-AF65-F5344CB8AC3E}">
+        <p14:creationId xmlns:p14="http://schemas.microsoft.com/office/powerpoint/2010/main" val="2741714772"/>
+      </p:ext>
+    </p:extLst>
+  </p:cSld>
+  <p:clrMapOvr>
+    <a:masterClrMapping/>
+  </p:clrMapOvr>
+</p:notes>
+</file>
+
 <file path=ppt/slideLayouts/slideLayout1.xml><?xml version="1.0" encoding="utf-8"?>
 <p:sldLayout xmlns:a="http://schemas.openxmlformats.org/drawingml/2006/main" xmlns:r="http://schemas.openxmlformats.org/officeDocument/2006/relationships" xmlns:p="http://schemas.openxmlformats.org/presentationml/2006/main" type="title" preserve="1">
   <p:cSld name="제목 슬라이드">
@@ -290,7 +730,7 @@
             <a:fld id="{3EB4853C-9EE7-4BDA-B843-30F737C265FA}" type="datetimeFigureOut">
               <a:rPr lang="ko-KR" altLang="en-US" smtClean="0"/>
               <a:pPr/>
-              <a:t>2015. 10. 6.</a:t>
+              <a:t>2015. 10. 12.</a:t>
             </a:fld>
             <a:endParaRPr lang="ko-KR" altLang="en-US"/>
           </a:p>
@@ -457,7 +897,7 @@
             <a:fld id="{3EB4853C-9EE7-4BDA-B843-30F737C265FA}" type="datetimeFigureOut">
               <a:rPr lang="ko-KR" altLang="en-US" smtClean="0"/>
               <a:pPr/>
-              <a:t>2015. 10. 6.</a:t>
+              <a:t>2015. 10. 12.</a:t>
             </a:fld>
             <a:endParaRPr lang="ko-KR" altLang="en-US"/>
           </a:p>
@@ -634,7 +1074,7 @@
             <a:fld id="{3EB4853C-9EE7-4BDA-B843-30F737C265FA}" type="datetimeFigureOut">
               <a:rPr lang="ko-KR" altLang="en-US" smtClean="0"/>
               <a:pPr/>
-              <a:t>2015. 10. 6.</a:t>
+              <a:t>2015. 10. 12.</a:t>
             </a:fld>
             <a:endParaRPr lang="ko-KR" altLang="en-US"/>
           </a:p>
@@ -801,7 +1241,7 @@
             <a:fld id="{3EB4853C-9EE7-4BDA-B843-30F737C265FA}" type="datetimeFigureOut">
               <a:rPr lang="ko-KR" altLang="en-US" smtClean="0"/>
               <a:pPr/>
-              <a:t>2015. 10. 6.</a:t>
+              <a:t>2015. 10. 12.</a:t>
             </a:fld>
             <a:endParaRPr lang="ko-KR" altLang="en-US"/>
           </a:p>
@@ -1044,7 +1484,7 @@
             <a:fld id="{3EB4853C-9EE7-4BDA-B843-30F737C265FA}" type="datetimeFigureOut">
               <a:rPr lang="ko-KR" altLang="en-US" smtClean="0"/>
               <a:pPr/>
-              <a:t>2015. 10. 6.</a:t>
+              <a:t>2015. 10. 12.</a:t>
             </a:fld>
             <a:endParaRPr lang="ko-KR" altLang="en-US"/>
           </a:p>
@@ -1329,7 +1769,7 @@
             <a:fld id="{3EB4853C-9EE7-4BDA-B843-30F737C265FA}" type="datetimeFigureOut">
               <a:rPr lang="ko-KR" altLang="en-US" smtClean="0"/>
               <a:pPr/>
-              <a:t>2015. 10. 6.</a:t>
+              <a:t>2015. 10. 12.</a:t>
             </a:fld>
             <a:endParaRPr lang="ko-KR" altLang="en-US"/>
           </a:p>
@@ -1748,7 +2188,7 @@
             <a:fld id="{3EB4853C-9EE7-4BDA-B843-30F737C265FA}" type="datetimeFigureOut">
               <a:rPr lang="ko-KR" altLang="en-US" smtClean="0"/>
               <a:pPr/>
-              <a:t>2015. 10. 6.</a:t>
+              <a:t>2015. 10. 12.</a:t>
             </a:fld>
             <a:endParaRPr lang="ko-KR" altLang="en-US"/>
           </a:p>
@@ -1863,7 +2303,7 @@
             <a:fld id="{3EB4853C-9EE7-4BDA-B843-30F737C265FA}" type="datetimeFigureOut">
               <a:rPr lang="ko-KR" altLang="en-US" smtClean="0"/>
               <a:pPr/>
-              <a:t>2015. 10. 6.</a:t>
+              <a:t>2015. 10. 12.</a:t>
             </a:fld>
             <a:endParaRPr lang="ko-KR" altLang="en-US"/>
           </a:p>
@@ -1955,7 +2395,7 @@
             <a:fld id="{3EB4853C-9EE7-4BDA-B843-30F737C265FA}" type="datetimeFigureOut">
               <a:rPr lang="ko-KR" altLang="en-US" smtClean="0"/>
               <a:pPr/>
-              <a:t>2015. 10. 6.</a:t>
+              <a:t>2015. 10. 12.</a:t>
             </a:fld>
             <a:endParaRPr lang="ko-KR" altLang="en-US"/>
           </a:p>
@@ -2229,7 +2669,7 @@
             <a:fld id="{3EB4853C-9EE7-4BDA-B843-30F737C265FA}" type="datetimeFigureOut">
               <a:rPr lang="ko-KR" altLang="en-US" smtClean="0"/>
               <a:pPr/>
-              <a:t>2015. 10. 6.</a:t>
+              <a:t>2015. 10. 12.</a:t>
             </a:fld>
             <a:endParaRPr lang="ko-KR" altLang="en-US"/>
           </a:p>
@@ -2479,7 +2919,7 @@
             <a:fld id="{3EB4853C-9EE7-4BDA-B843-30F737C265FA}" type="datetimeFigureOut">
               <a:rPr lang="ko-KR" altLang="en-US" smtClean="0"/>
               <a:pPr/>
-              <a:t>2015. 10. 6.</a:t>
+              <a:t>2015. 10. 12.</a:t>
             </a:fld>
             <a:endParaRPr lang="ko-KR" altLang="en-US"/>
           </a:p>
@@ -2689,7 +3129,7 @@
             <a:fld id="{3EB4853C-9EE7-4BDA-B843-30F737C265FA}" type="datetimeFigureOut">
               <a:rPr lang="ko-KR" altLang="en-US" smtClean="0"/>
               <a:pPr/>
-              <a:t>2015. 10. 6.</a:t>
+              <a:t>2015. 10. 12.</a:t>
             </a:fld>
             <a:endParaRPr lang="ko-KR" altLang="en-US"/>
           </a:p>
@@ -3062,13 +3502,59 @@
       </p:grpSpPr>
       <p:sp>
         <p:nvSpPr>
+          <p:cNvPr id="75" name="타원 74"/>
+          <p:cNvSpPr/>
+          <p:nvPr/>
+        </p:nvSpPr>
+        <p:spPr>
+          <a:xfrm>
+            <a:off x="2204120" y="3068960"/>
+            <a:ext cx="504056" cy="432048"/>
+          </a:xfrm>
+          <a:prstGeom prst="ellipse">
+            <a:avLst/>
+          </a:prstGeom>
+          <a:ln>
+            <a:solidFill>
+              <a:schemeClr val="accent2">
+                <a:lumMod val="60000"/>
+                <a:lumOff val="40000"/>
+              </a:schemeClr>
+            </a:solidFill>
+          </a:ln>
+        </p:spPr>
+        <p:style>
+          <a:lnRef idx="1">
+            <a:schemeClr val="accent2"/>
+          </a:lnRef>
+          <a:fillRef idx="2">
+            <a:schemeClr val="accent2"/>
+          </a:fillRef>
+          <a:effectRef idx="1">
+            <a:schemeClr val="accent2"/>
+          </a:effectRef>
+          <a:fontRef idx="minor">
+            <a:schemeClr val="dk1"/>
+          </a:fontRef>
+        </p:style>
+        <p:txBody>
+          <a:bodyPr rtlCol="0" anchor="ctr"/>
+          <a:lstStyle/>
+          <a:p>
+            <a:pPr algn="ctr"/>
+            <a:endParaRPr lang="ko-KR" altLang="en-US"/>
+          </a:p>
+        </p:txBody>
+      </p:sp>
+      <p:sp>
+        <p:nvSpPr>
           <p:cNvPr id="64" name="타원 63"/>
           <p:cNvSpPr/>
           <p:nvPr/>
         </p:nvSpPr>
         <p:spPr>
           <a:xfrm rot="814772">
-            <a:off x="5248404" y="2655784"/>
+            <a:off x="6131834" y="3912224"/>
             <a:ext cx="504056" cy="432048"/>
           </a:xfrm>
           <a:prstGeom prst="ellipse">
@@ -3114,10 +3600,10 @@
         </p:nvGrpSpPr>
         <p:grpSpPr>
           <a:xfrm>
-            <a:off x="755576" y="1556792"/>
-            <a:ext cx="2880320" cy="1656184"/>
-            <a:chOff x="2195736" y="1196752"/>
-            <a:chExt cx="2880320" cy="1656184"/>
+            <a:off x="1666939" y="2686721"/>
+            <a:ext cx="2880320" cy="1787533"/>
+            <a:chOff x="2170995" y="1070241"/>
+            <a:chExt cx="2880320" cy="1787533"/>
           </a:xfrm>
         </p:grpSpPr>
         <p:sp>
@@ -3128,7 +3614,7 @@
           </p:nvSpPr>
           <p:spPr>
             <a:xfrm>
-              <a:off x="2843808" y="2204864"/>
+              <a:off x="2555776" y="2244568"/>
               <a:ext cx="504056" cy="432048"/>
             </a:xfrm>
             <a:prstGeom prst="ellipse">
@@ -3220,8 +3706,8 @@
           </p:nvSpPr>
           <p:spPr>
             <a:xfrm rot="20272169">
-              <a:off x="2195736" y="1196752"/>
-              <a:ext cx="2880320" cy="1656184"/>
+              <a:off x="2170995" y="1070241"/>
+              <a:ext cx="2880320" cy="1787533"/>
             </a:xfrm>
             <a:prstGeom prst="ellipse">
               <a:avLst/>
@@ -3269,7 +3755,7 @@
         </p:nvGrpSpPr>
         <p:grpSpPr>
           <a:xfrm rot="814772">
-            <a:off x="3966445" y="2483768"/>
+            <a:off x="4849875" y="3740208"/>
             <a:ext cx="2880320" cy="1656184"/>
             <a:chOff x="2195736" y="1196752"/>
             <a:chExt cx="2880320" cy="1656184"/>
@@ -3424,7 +3910,7 @@
         </p:nvGrpSpPr>
         <p:grpSpPr>
           <a:xfrm rot="1345917">
-            <a:off x="1703889" y="3664876"/>
+            <a:off x="2587319" y="4921316"/>
             <a:ext cx="2319530" cy="1656184"/>
             <a:chOff x="2195736" y="1196752"/>
             <a:chExt cx="2880320" cy="1656184"/>
@@ -3521,7 +4007,7 @@
         </p:nvCxnSpPr>
         <p:spPr>
           <a:xfrm>
-            <a:off x="3090260" y="2240682"/>
+            <a:off x="3973690" y="3497122"/>
             <a:ext cx="1364142" cy="1026373"/>
           </a:xfrm>
           <a:prstGeom prst="straightConnector1">
@@ -3558,7 +4044,7 @@
         </p:nvCxnSpPr>
         <p:spPr>
           <a:xfrm flipH="1">
-            <a:off x="3340781" y="3432869"/>
+            <a:off x="4224211" y="4689309"/>
             <a:ext cx="1149510" cy="739177"/>
           </a:xfrm>
           <a:prstGeom prst="straightConnector1">
@@ -3592,7 +4078,7 @@
         </p:nvSpPr>
         <p:spPr>
           <a:xfrm>
-            <a:off x="3635896" y="2348880"/>
+            <a:off x="4519326" y="3605320"/>
             <a:ext cx="317716" cy="369332"/>
           </a:xfrm>
           <a:prstGeom prst="rect">
@@ -3622,7 +4108,7 @@
         </p:nvSpPr>
         <p:spPr>
           <a:xfrm>
-            <a:off x="3707904" y="3501008"/>
+            <a:off x="4591334" y="4757448"/>
             <a:ext cx="317716" cy="369332"/>
           </a:xfrm>
           <a:prstGeom prst="rect">
@@ -3652,8 +4138,8 @@
         </p:nvSpPr>
         <p:spPr>
           <a:xfrm>
-            <a:off x="2192556" y="2636912"/>
-            <a:ext cx="540533" cy="369332"/>
+            <a:off x="2771800" y="3861048"/>
+            <a:ext cx="923651" cy="369332"/>
           </a:xfrm>
           <a:prstGeom prst="rect">
             <a:avLst/>
@@ -3681,7 +4167,11 @@
           <a:p>
             <a:r>
               <a:rPr lang="en-US" altLang="ko-KR" b="1" smtClean="0"/>
-              <a:t># 1</a:t>
+              <a:t>label </a:t>
+            </a:r>
+            <a:r>
+              <a:rPr lang="en-US" altLang="ko-KR" b="1" smtClean="0"/>
+              <a:t>1</a:t>
             </a:r>
             <a:endParaRPr lang="ko-KR" altLang="en-US" b="1"/>
           </a:p>
@@ -3695,8 +4185,8 @@
         </p:nvSpPr>
         <p:spPr>
           <a:xfrm>
-            <a:off x="5247747" y="3634810"/>
-            <a:ext cx="540533" cy="369332"/>
+            <a:off x="5724128" y="4931876"/>
+            <a:ext cx="923651" cy="369332"/>
           </a:xfrm>
           <a:prstGeom prst="rect">
             <a:avLst/>
@@ -3724,7 +4214,11 @@
           <a:p>
             <a:r>
               <a:rPr lang="en-US" altLang="ko-KR" b="1" smtClean="0"/>
-              <a:t># 2</a:t>
+              <a:t>label </a:t>
+            </a:r>
+            <a:r>
+              <a:rPr lang="en-US" altLang="ko-KR" b="1" smtClean="0"/>
+              <a:t>2</a:t>
             </a:r>
             <a:endParaRPr lang="ko-KR" altLang="en-US" b="1"/>
           </a:p>
@@ -3738,8 +4232,8 @@
         </p:nvSpPr>
         <p:spPr>
           <a:xfrm>
-            <a:off x="2357517" y="4587550"/>
-            <a:ext cx="540533" cy="369332"/>
+            <a:off x="3310046" y="6011996"/>
+            <a:ext cx="923651" cy="369332"/>
           </a:xfrm>
           <a:prstGeom prst="rect">
             <a:avLst/>
@@ -3767,7 +4261,11 @@
           <a:p>
             <a:r>
               <a:rPr lang="en-US" altLang="ko-KR" b="1" smtClean="0"/>
-              <a:t># 3</a:t>
+              <a:t>label </a:t>
+            </a:r>
+            <a:r>
+              <a:rPr lang="en-US" altLang="ko-KR" b="1" smtClean="0"/>
+              <a:t>3</a:t>
             </a:r>
             <a:endParaRPr lang="ko-KR" altLang="en-US" b="1"/>
           </a:p>
@@ -3776,13 +4274,16 @@
       <p:cxnSp>
         <p:nvCxnSpPr>
           <p:cNvPr id="34" name="직선 화살표 연결선 33"/>
-          <p:cNvCxnSpPr/>
+          <p:cNvCxnSpPr>
+            <a:stCxn id="4" idx="7"/>
+            <a:endCxn id="5" idx="3"/>
+          </p:cNvCxnSpPr>
           <p:nvPr/>
         </p:nvCxnSpPr>
         <p:spPr>
           <a:xfrm flipV="1">
-            <a:off x="1852651" y="2115344"/>
-            <a:ext cx="775133" cy="521568"/>
+            <a:off x="2481959" y="3470040"/>
+            <a:ext cx="1155746" cy="454280"/>
           </a:xfrm>
           <a:prstGeom prst="straightConnector1">
             <a:avLst/>
@@ -3815,7 +4316,7 @@
         </p:nvSpPr>
         <p:spPr>
           <a:xfrm>
-            <a:off x="1931749" y="1957107"/>
+            <a:off x="2815179" y="3419708"/>
             <a:ext cx="317716" cy="369332"/>
           </a:xfrm>
           <a:prstGeom prst="rect">
@@ -3847,7 +4348,7 @@
         </p:nvCxnSpPr>
         <p:spPr>
           <a:xfrm>
-            <a:off x="4966680" y="3356992"/>
+            <a:off x="5850110" y="4613432"/>
             <a:ext cx="844058" cy="159775"/>
           </a:xfrm>
           <a:prstGeom prst="straightConnector1">
@@ -3881,7 +4382,7 @@
         </p:nvSpPr>
         <p:spPr>
           <a:xfrm>
-            <a:off x="5262396" y="3131676"/>
+            <a:off x="6145826" y="4388116"/>
             <a:ext cx="317716" cy="369332"/>
           </a:xfrm>
           <a:prstGeom prst="rect">
@@ -3911,10 +4412,10 @@
         </p:nvGrpSpPr>
         <p:grpSpPr>
           <a:xfrm rot="1427511">
-            <a:off x="4063596" y="411217"/>
-            <a:ext cx="2880320" cy="1656184"/>
-            <a:chOff x="2195736" y="1196752"/>
-            <a:chExt cx="2880320" cy="1656184"/>
+            <a:off x="2043058" y="573281"/>
+            <a:ext cx="2880320" cy="1671073"/>
+            <a:chOff x="2195736" y="1181863"/>
+            <a:chExt cx="2880320" cy="1671073"/>
           </a:xfrm>
         </p:grpSpPr>
         <p:sp>
@@ -3964,7 +4465,7 @@
           </p:nvSpPr>
           <p:spPr>
             <a:xfrm>
-              <a:off x="4067944" y="1484784"/>
+              <a:off x="3934390" y="1181863"/>
               <a:ext cx="504056" cy="432048"/>
             </a:xfrm>
             <a:prstGeom prst="ellipse">
@@ -4047,13 +4548,15 @@
       <p:cxnSp>
         <p:nvCxnSpPr>
           <p:cNvPr id="50" name="직선 화살표 연결선 49"/>
-          <p:cNvCxnSpPr/>
+          <p:cNvCxnSpPr>
+            <a:endCxn id="51" idx="1"/>
+          </p:cNvCxnSpPr>
           <p:nvPr/>
         </p:nvCxnSpPr>
         <p:spPr>
-          <a:xfrm rot="1427511" flipV="1">
-            <a:off x="5071708" y="979061"/>
-            <a:ext cx="864096" cy="368260"/>
+          <a:xfrm flipV="1">
+            <a:off x="2996652" y="1093386"/>
+            <a:ext cx="978016" cy="240312"/>
           </a:xfrm>
           <a:prstGeom prst="straightConnector1">
             <a:avLst/>
@@ -4082,15 +4585,14 @@
         <p:nvCxnSpPr>
           <p:cNvPr id="53" name="직선 화살표 연결선 52"/>
           <p:cNvCxnSpPr>
-            <a:stCxn id="5" idx="7"/>
-            <a:endCxn id="46" idx="3"/>
+            <a:endCxn id="2" idx="3"/>
           </p:cNvCxnSpPr>
           <p:nvPr/>
         </p:nvCxnSpPr>
         <p:spPr>
           <a:xfrm flipV="1">
-            <a:off x="3058023" y="1195942"/>
-            <a:ext cx="1522480" cy="712154"/>
+            <a:off x="3993381" y="2700805"/>
+            <a:ext cx="1171864" cy="486566"/>
           </a:xfrm>
           <a:prstGeom prst="straightConnector1">
             <a:avLst/>
@@ -4123,8 +4625,8 @@
         </p:nvSpPr>
         <p:spPr>
           <a:xfrm>
-            <a:off x="5471627" y="1484784"/>
-            <a:ext cx="540533" cy="369332"/>
+            <a:off x="3434135" y="1661104"/>
+            <a:ext cx="923651" cy="369332"/>
           </a:xfrm>
           <a:prstGeom prst="rect">
             <a:avLst/>
@@ -4152,7 +4654,11 @@
           <a:p>
             <a:r>
               <a:rPr lang="en-US" altLang="ko-KR" b="1" smtClean="0"/>
-              <a:t># 4</a:t>
+              <a:t>label </a:t>
+            </a:r>
+            <a:r>
+              <a:rPr lang="en-US" altLang="ko-KR" b="1" smtClean="0"/>
+              <a:t>4</a:t>
             </a:r>
             <a:endParaRPr lang="ko-KR" altLang="en-US" b="1"/>
           </a:p>
@@ -4166,7 +4672,7 @@
         </p:nvSpPr>
         <p:spPr>
           <a:xfrm>
-            <a:off x="5342788" y="764704"/>
+            <a:off x="3305296" y="764704"/>
             <a:ext cx="317716" cy="369332"/>
           </a:xfrm>
           <a:prstGeom prst="rect">
@@ -4197,9 +4703,9 @@
           <p:nvPr/>
         </p:nvCxnSpPr>
         <p:spPr>
-          <a:xfrm flipV="1">
-            <a:off x="4750106" y="1306737"/>
-            <a:ext cx="122454" cy="1809508"/>
+          <a:xfrm flipH="1" flipV="1">
+            <a:off x="5337832" y="2659883"/>
+            <a:ext cx="295704" cy="1712802"/>
           </a:xfrm>
           <a:prstGeom prst="straightConnector1">
             <a:avLst/>
@@ -4232,7 +4738,7 @@
         </p:nvSpPr>
         <p:spPr>
           <a:xfrm>
-            <a:off x="3503662" y="1242736"/>
+            <a:off x="4266574" y="2516139"/>
             <a:ext cx="317716" cy="369332"/>
           </a:xfrm>
           <a:prstGeom prst="rect">
@@ -4262,7 +4768,7 @@
         </p:nvSpPr>
         <p:spPr>
           <a:xfrm>
-            <a:off x="4788024" y="2060848"/>
+            <a:off x="5641327" y="3350669"/>
             <a:ext cx="317716" cy="369332"/>
           </a:xfrm>
           <a:prstGeom prst="rect">
@@ -4292,7 +4798,7 @@
         </p:nvSpPr>
         <p:spPr>
           <a:xfrm>
-            <a:off x="1456940" y="2596262"/>
+            <a:off x="2051720" y="3852702"/>
             <a:ext cx="450764" cy="369332"/>
           </a:xfrm>
           <a:prstGeom prst="rect">
@@ -4322,7 +4828,7 @@
         </p:nvSpPr>
         <p:spPr>
           <a:xfrm>
-            <a:off x="2654430" y="1871762"/>
+            <a:off x="3537860" y="3128202"/>
             <a:ext cx="450764" cy="369332"/>
           </a:xfrm>
           <a:prstGeom prst="rect">
@@ -4352,7 +4858,7 @@
         </p:nvSpPr>
         <p:spPr>
           <a:xfrm>
-            <a:off x="4585951" y="949370"/>
+            <a:off x="2548459" y="1125690"/>
             <a:ext cx="450764" cy="369332"/>
           </a:xfrm>
           <a:prstGeom prst="rect">
@@ -4382,7 +4888,7 @@
         </p:nvSpPr>
         <p:spPr>
           <a:xfrm>
-            <a:off x="6012160" y="1034111"/>
+            <a:off x="3974668" y="908720"/>
             <a:ext cx="450764" cy="369332"/>
           </a:xfrm>
           <a:prstGeom prst="rect">
@@ -4412,7 +4918,7 @@
         </p:nvSpPr>
         <p:spPr>
           <a:xfrm>
-            <a:off x="4474003" y="3120979"/>
+            <a:off x="5357433" y="4377419"/>
             <a:ext cx="450764" cy="369332"/>
           </a:xfrm>
           <a:prstGeom prst="rect">
@@ -4442,7 +4948,7 @@
         </p:nvSpPr>
         <p:spPr>
           <a:xfrm>
-            <a:off x="5794450" y="3203684"/>
+            <a:off x="6677880" y="4460124"/>
             <a:ext cx="450764" cy="369332"/>
           </a:xfrm>
           <a:prstGeom prst="rect">
@@ -4476,7 +4982,7 @@
         </p:nvSpPr>
         <p:spPr>
           <a:xfrm>
-            <a:off x="2906458" y="4073811"/>
+            <a:off x="3789888" y="5330251"/>
             <a:ext cx="450764" cy="369332"/>
           </a:xfrm>
           <a:prstGeom prst="rect">
@@ -4506,7 +5012,7 @@
         </p:nvSpPr>
         <p:spPr>
           <a:xfrm>
-            <a:off x="5292080" y="2699628"/>
+            <a:off x="6175510" y="3956068"/>
             <a:ext cx="450764" cy="369332"/>
           </a:xfrm>
           <a:prstGeom prst="rect">
@@ -4536,7 +5042,7 @@
         </p:nvCxnSpPr>
         <p:spPr>
           <a:xfrm flipV="1">
-            <a:off x="4932040" y="3057070"/>
+            <a:off x="5815470" y="4313510"/>
             <a:ext cx="383601" cy="162521"/>
           </a:xfrm>
           <a:prstGeom prst="straightConnector1">
@@ -4570,7 +5076,526 @@
         </p:nvSpPr>
         <p:spPr>
           <a:xfrm>
-            <a:off x="4902356" y="2843644"/>
+            <a:off x="5785786" y="4100084"/>
+            <a:ext cx="317716" cy="369332"/>
+          </a:xfrm>
+          <a:prstGeom prst="rect">
+            <a:avLst/>
+          </a:prstGeom>
+          <a:noFill/>
+        </p:spPr>
+        <p:txBody>
+          <a:bodyPr wrap="none" rtlCol="0">
+            <a:spAutoFit/>
+          </a:bodyPr>
+          <a:lstStyle/>
+          <a:p>
+            <a:r>
+              <a:rPr lang="en-US" altLang="ko-KR" b="1"/>
+              <a:t>0</a:t>
+            </a:r>
+            <a:endParaRPr lang="ko-KR" altLang="en-US" b="1"/>
+          </a:p>
+        </p:txBody>
+      </p:sp>
+      <p:sp>
+        <p:nvSpPr>
+          <p:cNvPr id="2" name="타원 1"/>
+          <p:cNvSpPr/>
+          <p:nvPr/>
+        </p:nvSpPr>
+        <p:spPr>
+          <a:xfrm>
+            <a:off x="5093601" y="2341758"/>
+            <a:ext cx="489214" cy="420650"/>
+          </a:xfrm>
+          <a:prstGeom prst="ellipse">
+            <a:avLst/>
+          </a:prstGeom>
+        </p:spPr>
+        <p:style>
+          <a:lnRef idx="1">
+            <a:schemeClr val="accent1"/>
+          </a:lnRef>
+          <a:fillRef idx="2">
+            <a:schemeClr val="accent1"/>
+          </a:fillRef>
+          <a:effectRef idx="1">
+            <a:schemeClr val="accent1"/>
+          </a:effectRef>
+          <a:fontRef idx="minor">
+            <a:schemeClr val="dk1"/>
+          </a:fontRef>
+        </p:style>
+        <p:txBody>
+          <a:bodyPr rtlCol="0" anchor="ctr"/>
+          <a:lstStyle/>
+          <a:p>
+            <a:pPr algn="ctr"/>
+            <a:endParaRPr lang="ko-KR" altLang="en-US"/>
+          </a:p>
+        </p:txBody>
+      </p:sp>
+      <p:sp>
+        <p:nvSpPr>
+          <p:cNvPr id="68" name="TextBox 67"/>
+          <p:cNvSpPr txBox="1"/>
+          <p:nvPr/>
+        </p:nvSpPr>
+        <p:spPr>
+          <a:xfrm>
+            <a:off x="5132051" y="2391266"/>
+            <a:ext cx="450764" cy="369332"/>
+          </a:xfrm>
+          <a:prstGeom prst="rect">
+            <a:avLst/>
+          </a:prstGeom>
+          <a:noFill/>
+        </p:spPr>
+        <p:txBody>
+          <a:bodyPr wrap="none" rtlCol="0">
+            <a:spAutoFit/>
+          </a:bodyPr>
+          <a:lstStyle/>
+          <a:p>
+            <a:r>
+              <a:rPr lang="en-US" altLang="ko-KR" b="1" smtClean="0"/>
+              <a:t>23</a:t>
+            </a:r>
+            <a:endParaRPr lang="ko-KR" altLang="en-US" b="1"/>
+          </a:p>
+        </p:txBody>
+      </p:sp>
+      <p:sp>
+        <p:nvSpPr>
+          <p:cNvPr id="3" name="타원 2"/>
+          <p:cNvSpPr/>
+          <p:nvPr/>
+        </p:nvSpPr>
+        <p:spPr>
+          <a:xfrm>
+            <a:off x="4678183" y="1661104"/>
+            <a:ext cx="1929375" cy="1552443"/>
+          </a:xfrm>
+          <a:prstGeom prst="ellipse">
+            <a:avLst/>
+          </a:prstGeom>
+          <a:noFill/>
+          <a:ln>
+            <a:prstDash val="sysDash"/>
+          </a:ln>
+        </p:spPr>
+        <p:style>
+          <a:lnRef idx="2">
+            <a:schemeClr val="accent1">
+              <a:shade val="50000"/>
+            </a:schemeClr>
+          </a:lnRef>
+          <a:fillRef idx="1">
+            <a:schemeClr val="accent1"/>
+          </a:fillRef>
+          <a:effectRef idx="0">
+            <a:schemeClr val="accent1"/>
+          </a:effectRef>
+          <a:fontRef idx="minor">
+            <a:schemeClr val="lt1"/>
+          </a:fontRef>
+        </p:style>
+        <p:txBody>
+          <a:bodyPr rtlCol="0" anchor="ctr"/>
+          <a:lstStyle/>
+          <a:p>
+            <a:pPr algn="ctr"/>
+            <a:endParaRPr lang="ko-KR" altLang="en-US"/>
+          </a:p>
+        </p:txBody>
+      </p:sp>
+      <p:cxnSp>
+        <p:nvCxnSpPr>
+          <p:cNvPr id="69" name="직선 화살표 연결선 68"/>
+          <p:cNvCxnSpPr>
+            <a:stCxn id="5" idx="0"/>
+            <a:endCxn id="46" idx="5"/>
+          </p:cNvCxnSpPr>
+          <p:nvPr/>
+        </p:nvCxnSpPr>
+        <p:spPr>
+          <a:xfrm flipH="1" flipV="1">
+            <a:off x="2883095" y="1516048"/>
+            <a:ext cx="932821" cy="1585216"/>
+          </a:xfrm>
+          <a:prstGeom prst="straightConnector1">
+            <a:avLst/>
+          </a:prstGeom>
+          <a:ln>
+            <a:headEnd type="none" w="med" len="med"/>
+            <a:tailEnd type="none" w="med" len="med"/>
+          </a:ln>
+        </p:spPr>
+        <p:style>
+          <a:lnRef idx="3">
+            <a:schemeClr val="accent4"/>
+          </a:lnRef>
+          <a:fillRef idx="0">
+            <a:schemeClr val="accent4"/>
+          </a:fillRef>
+          <a:effectRef idx="2">
+            <a:schemeClr val="accent4"/>
+          </a:effectRef>
+          <a:fontRef idx="minor">
+            <a:schemeClr val="tx1"/>
+          </a:fontRef>
+        </p:style>
+      </p:cxnSp>
+      <p:sp>
+        <p:nvSpPr>
+          <p:cNvPr id="70" name="TextBox 69"/>
+          <p:cNvSpPr txBox="1"/>
+          <p:nvPr/>
+        </p:nvSpPr>
+        <p:spPr>
+          <a:xfrm>
+            <a:off x="2987824" y="2276872"/>
+            <a:ext cx="317716" cy="369332"/>
+          </a:xfrm>
+          <a:prstGeom prst="rect">
+            <a:avLst/>
+          </a:prstGeom>
+          <a:noFill/>
+        </p:spPr>
+        <p:txBody>
+          <a:bodyPr wrap="none" rtlCol="0">
+            <a:spAutoFit/>
+          </a:bodyPr>
+          <a:lstStyle/>
+          <a:p>
+            <a:r>
+              <a:rPr lang="en-US" altLang="ko-KR" b="1" smtClean="0"/>
+              <a:t>1</a:t>
+            </a:r>
+            <a:endParaRPr lang="ko-KR" altLang="en-US" b="1"/>
+          </a:p>
+        </p:txBody>
+      </p:sp>
+      <p:sp>
+        <p:nvSpPr>
+          <p:cNvPr id="71" name="TextBox 70"/>
+          <p:cNvSpPr txBox="1"/>
+          <p:nvPr/>
+        </p:nvSpPr>
+        <p:spPr>
+          <a:xfrm>
+            <a:off x="4966230" y="1844824"/>
+            <a:ext cx="923651" cy="369332"/>
+          </a:xfrm>
+          <a:prstGeom prst="rect">
+            <a:avLst/>
+          </a:prstGeom>
+        </p:spPr>
+        <p:style>
+          <a:lnRef idx="1">
+            <a:schemeClr val="accent1"/>
+          </a:lnRef>
+          <a:fillRef idx="3">
+            <a:schemeClr val="accent1"/>
+          </a:fillRef>
+          <a:effectRef idx="2">
+            <a:schemeClr val="accent1"/>
+          </a:effectRef>
+          <a:fontRef idx="minor">
+            <a:schemeClr val="lt1"/>
+          </a:fontRef>
+        </p:style>
+        <p:txBody>
+          <a:bodyPr wrap="none" rtlCol="0">
+            <a:spAutoFit/>
+          </a:bodyPr>
+          <a:lstStyle/>
+          <a:p>
+            <a:r>
+              <a:rPr lang="en-US" altLang="ko-KR" b="1" smtClean="0"/>
+              <a:t>label </a:t>
+            </a:r>
+            <a:r>
+              <a:rPr lang="en-US" altLang="ko-KR" b="1" smtClean="0"/>
+              <a:t>0</a:t>
+            </a:r>
+            <a:endParaRPr lang="ko-KR" altLang="en-US" b="1"/>
+          </a:p>
+        </p:txBody>
+      </p:sp>
+      <p:sp>
+        <p:nvSpPr>
+          <p:cNvPr id="6" name="TextBox 5"/>
+          <p:cNvSpPr txBox="1"/>
+          <p:nvPr/>
+        </p:nvSpPr>
+        <p:spPr>
+          <a:xfrm>
+            <a:off x="2219697" y="1393031"/>
+            <a:ext cx="926985" cy="307777"/>
+          </a:xfrm>
+          <a:prstGeom prst="rect">
+            <a:avLst/>
+          </a:prstGeom>
+          <a:noFill/>
+        </p:spPr>
+        <p:txBody>
+          <a:bodyPr wrap="none" rtlCol="0">
+            <a:spAutoFit/>
+          </a:bodyPr>
+          <a:lstStyle/>
+          <a:p>
+            <a:r>
+              <a:rPr lang="en-US" altLang="ko-KR" sz="1400" smtClean="0"/>
+              <a:t>exemplar</a:t>
+            </a:r>
+            <a:endParaRPr lang="ko-KR" altLang="en-US" sz="1400"/>
+          </a:p>
+        </p:txBody>
+      </p:sp>
+      <p:sp>
+        <p:nvSpPr>
+          <p:cNvPr id="59" name="TextBox 58"/>
+          <p:cNvSpPr txBox="1"/>
+          <p:nvPr/>
+        </p:nvSpPr>
+        <p:spPr>
+          <a:xfrm>
+            <a:off x="5508104" y="2391266"/>
+            <a:ext cx="926985" cy="307777"/>
+          </a:xfrm>
+          <a:prstGeom prst="rect">
+            <a:avLst/>
+          </a:prstGeom>
+          <a:noFill/>
+        </p:spPr>
+        <p:txBody>
+          <a:bodyPr wrap="none" rtlCol="0">
+            <a:spAutoFit/>
+          </a:bodyPr>
+          <a:lstStyle/>
+          <a:p>
+            <a:r>
+              <a:rPr lang="en-US" altLang="ko-KR" sz="1400" smtClean="0"/>
+              <a:t>exemplar</a:t>
+            </a:r>
+            <a:endParaRPr lang="ko-KR" altLang="en-US" sz="1400"/>
+          </a:p>
+        </p:txBody>
+      </p:sp>
+      <p:sp>
+        <p:nvSpPr>
+          <p:cNvPr id="61" name="TextBox 60"/>
+          <p:cNvSpPr txBox="1"/>
+          <p:nvPr/>
+        </p:nvSpPr>
+        <p:spPr>
+          <a:xfrm>
+            <a:off x="3871981" y="3140968"/>
+            <a:ext cx="926985" cy="307777"/>
+          </a:xfrm>
+          <a:prstGeom prst="rect">
+            <a:avLst/>
+          </a:prstGeom>
+          <a:noFill/>
+        </p:spPr>
+        <p:txBody>
+          <a:bodyPr wrap="none" rtlCol="0">
+            <a:spAutoFit/>
+          </a:bodyPr>
+          <a:lstStyle/>
+          <a:p>
+            <a:r>
+              <a:rPr lang="en-US" altLang="ko-KR" sz="1400" smtClean="0"/>
+              <a:t>exemplar</a:t>
+            </a:r>
+            <a:endParaRPr lang="ko-KR" altLang="en-US" sz="1400"/>
+          </a:p>
+        </p:txBody>
+      </p:sp>
+      <p:sp>
+        <p:nvSpPr>
+          <p:cNvPr id="67" name="TextBox 66"/>
+          <p:cNvSpPr txBox="1"/>
+          <p:nvPr/>
+        </p:nvSpPr>
+        <p:spPr>
+          <a:xfrm>
+            <a:off x="4668558" y="4397408"/>
+            <a:ext cx="926985" cy="307777"/>
+          </a:xfrm>
+          <a:prstGeom prst="rect">
+            <a:avLst/>
+          </a:prstGeom>
+          <a:noFill/>
+        </p:spPr>
+        <p:txBody>
+          <a:bodyPr wrap="none" rtlCol="0">
+            <a:spAutoFit/>
+          </a:bodyPr>
+          <a:lstStyle/>
+          <a:p>
+            <a:r>
+              <a:rPr lang="en-US" altLang="ko-KR" sz="1400" smtClean="0"/>
+              <a:t>exemplar</a:t>
+            </a:r>
+            <a:endParaRPr lang="ko-KR" altLang="en-US" sz="1400"/>
+          </a:p>
+        </p:txBody>
+      </p:sp>
+      <p:sp>
+        <p:nvSpPr>
+          <p:cNvPr id="72" name="TextBox 71"/>
+          <p:cNvSpPr txBox="1"/>
+          <p:nvPr/>
+        </p:nvSpPr>
+        <p:spPr>
+          <a:xfrm>
+            <a:off x="3153026" y="5228866"/>
+            <a:ext cx="926985" cy="307777"/>
+          </a:xfrm>
+          <a:prstGeom prst="rect">
+            <a:avLst/>
+          </a:prstGeom>
+          <a:noFill/>
+        </p:spPr>
+        <p:txBody>
+          <a:bodyPr wrap="none" rtlCol="0">
+            <a:spAutoFit/>
+          </a:bodyPr>
+          <a:lstStyle/>
+          <a:p>
+            <a:r>
+              <a:rPr lang="en-US" altLang="ko-KR" sz="1400" smtClean="0"/>
+              <a:t>exemplar</a:t>
+            </a:r>
+            <a:endParaRPr lang="ko-KR" altLang="en-US" sz="1400"/>
+          </a:p>
+        </p:txBody>
+      </p:sp>
+      <p:sp>
+        <p:nvSpPr>
+          <p:cNvPr id="73" name="TextBox 72"/>
+          <p:cNvSpPr txBox="1"/>
+          <p:nvPr/>
+        </p:nvSpPr>
+        <p:spPr>
+          <a:xfrm>
+            <a:off x="5436096" y="6213322"/>
+            <a:ext cx="2524024" cy="307777"/>
+          </a:xfrm>
+          <a:prstGeom prst="rect">
+            <a:avLst/>
+          </a:prstGeom>
+          <a:noFill/>
+        </p:spPr>
+        <p:txBody>
+          <a:bodyPr wrap="none" rtlCol="0">
+            <a:spAutoFit/>
+          </a:bodyPr>
+          <a:lstStyle/>
+          <a:p>
+            <a:r>
+              <a:rPr lang="en-US" altLang="ko-KR" sz="1400"/>
+              <a:t>e</a:t>
+            </a:r>
+            <a:r>
+              <a:rPr lang="en-US" altLang="ko-KR" sz="1400" smtClean="0"/>
+              <a:t>xemplar : level </a:t>
+            </a:r>
+            <a:r>
+              <a:rPr lang="ko-KR" altLang="en-US" sz="1400" smtClean="0"/>
+              <a:t>내 대표 </a:t>
+            </a:r>
+            <a:r>
+              <a:rPr lang="en-US" altLang="ko-KR" sz="1400" smtClean="0"/>
+              <a:t>q_id</a:t>
+            </a:r>
+            <a:endParaRPr lang="ko-KR" altLang="en-US" sz="1400"/>
+          </a:p>
+        </p:txBody>
+      </p:sp>
+      <p:sp>
+        <p:nvSpPr>
+          <p:cNvPr id="74" name="TextBox 73"/>
+          <p:cNvSpPr txBox="1"/>
+          <p:nvPr/>
+        </p:nvSpPr>
+        <p:spPr>
+          <a:xfrm>
+            <a:off x="2249028" y="3068960"/>
+            <a:ext cx="450764" cy="369332"/>
+          </a:xfrm>
+          <a:prstGeom prst="rect">
+            <a:avLst/>
+          </a:prstGeom>
+          <a:noFill/>
+        </p:spPr>
+        <p:txBody>
+          <a:bodyPr wrap="none" rtlCol="0">
+            <a:spAutoFit/>
+          </a:bodyPr>
+          <a:lstStyle/>
+          <a:p>
+            <a:r>
+              <a:rPr lang="en-US" altLang="ko-KR" b="1"/>
+              <a:t>1</a:t>
+            </a:r>
+            <a:r>
+              <a:rPr lang="en-US" altLang="ko-KR" b="1" smtClean="0"/>
+              <a:t>1</a:t>
+            </a:r>
+            <a:endParaRPr lang="ko-KR" altLang="en-US" b="1"/>
+          </a:p>
+        </p:txBody>
+      </p:sp>
+      <p:cxnSp>
+        <p:nvCxnSpPr>
+          <p:cNvPr id="76" name="직선 화살표 연결선 75"/>
+          <p:cNvCxnSpPr>
+            <a:stCxn id="75" idx="6"/>
+            <a:endCxn id="5" idx="2"/>
+          </p:cNvCxnSpPr>
+          <p:nvPr/>
+        </p:nvCxnSpPr>
+        <p:spPr>
+          <a:xfrm>
+            <a:off x="2708176" y="3284984"/>
+            <a:ext cx="855712" cy="32304"/>
+          </a:xfrm>
+          <a:prstGeom prst="straightConnector1">
+            <a:avLst/>
+          </a:prstGeom>
+          <a:ln>
+            <a:headEnd type="none" w="med" len="med"/>
+            <a:tailEnd type="none" w="med" len="med"/>
+          </a:ln>
+        </p:spPr>
+        <p:style>
+          <a:lnRef idx="2">
+            <a:schemeClr val="accent2"/>
+          </a:lnRef>
+          <a:fillRef idx="0">
+            <a:schemeClr val="accent2"/>
+          </a:fillRef>
+          <a:effectRef idx="1">
+            <a:schemeClr val="accent2"/>
+          </a:effectRef>
+          <a:fontRef idx="minor">
+            <a:schemeClr val="tx1"/>
+          </a:fontRef>
+        </p:style>
+      </p:cxnSp>
+      <p:sp>
+        <p:nvSpPr>
+          <p:cNvPr id="77" name="TextBox 76"/>
+          <p:cNvSpPr txBox="1"/>
+          <p:nvPr/>
+        </p:nvSpPr>
+        <p:spPr>
+          <a:xfrm>
+            <a:off x="2771800" y="2996952"/>
             <a:ext cx="317716" cy="369332"/>
           </a:xfrm>
           <a:prstGeom prst="rect">
@@ -4622,6 +5647,286 @@
           <a:chExt cx="0" cy="0"/>
         </a:xfrm>
       </p:grpSpPr>
+      <p:pic>
+        <p:nvPicPr>
+          <p:cNvPr id="4" name="그림 3"/>
+          <p:cNvPicPr>
+            <a:picLocks noChangeAspect="1"/>
+          </p:cNvPicPr>
+          <p:nvPr/>
+        </p:nvPicPr>
+        <p:blipFill>
+          <a:blip r:embed="rId2">
+            <a:extLst>
+              <a:ext uri="{28A0092B-C50C-407E-A947-70E740481C1C}">
+                <a14:useLocalDpi xmlns:a14="http://schemas.microsoft.com/office/drawing/2010/main" val="0"/>
+              </a:ext>
+            </a:extLst>
+          </a:blip>
+          <a:stretch>
+            <a:fillRect/>
+          </a:stretch>
+        </p:blipFill>
+        <p:spPr>
+          <a:xfrm>
+            <a:off x="539543" y="25225"/>
+            <a:ext cx="8064914" cy="6807550"/>
+          </a:xfrm>
+          <a:prstGeom prst="rect">
+            <a:avLst/>
+          </a:prstGeom>
+        </p:spPr>
+      </p:pic>
+      <p:sp>
+        <p:nvSpPr>
+          <p:cNvPr id="5" name="타원 4"/>
+          <p:cNvSpPr/>
+          <p:nvPr/>
+        </p:nvSpPr>
+        <p:spPr>
+          <a:xfrm>
+            <a:off x="5796136" y="620688"/>
+            <a:ext cx="2160240" cy="1944216"/>
+          </a:xfrm>
+          <a:prstGeom prst="ellipse">
+            <a:avLst/>
+          </a:prstGeom>
+          <a:noFill/>
+          <a:ln>
+            <a:prstDash val="sysDash"/>
+          </a:ln>
+        </p:spPr>
+        <p:style>
+          <a:lnRef idx="2">
+            <a:schemeClr val="accent1">
+              <a:shade val="50000"/>
+            </a:schemeClr>
+          </a:lnRef>
+          <a:fillRef idx="1">
+            <a:schemeClr val="accent1"/>
+          </a:fillRef>
+          <a:effectRef idx="0">
+            <a:schemeClr val="accent1"/>
+          </a:effectRef>
+          <a:fontRef idx="minor">
+            <a:schemeClr val="lt1"/>
+          </a:fontRef>
+        </p:style>
+        <p:txBody>
+          <a:bodyPr rtlCol="0" anchor="ctr"/>
+          <a:lstStyle/>
+          <a:p>
+            <a:pPr algn="ctr"/>
+            <a:endParaRPr lang="ko-KR" altLang="en-US"/>
+          </a:p>
+        </p:txBody>
+      </p:sp>
+      <p:sp>
+        <p:nvSpPr>
+          <p:cNvPr id="7" name="타원 6"/>
+          <p:cNvSpPr/>
+          <p:nvPr/>
+        </p:nvSpPr>
+        <p:spPr>
+          <a:xfrm rot="1782078">
+            <a:off x="3615186" y="2004642"/>
+            <a:ext cx="3024336" cy="1299644"/>
+          </a:xfrm>
+          <a:prstGeom prst="ellipse">
+            <a:avLst/>
+          </a:prstGeom>
+          <a:noFill/>
+          <a:ln>
+            <a:prstDash val="sysDash"/>
+          </a:ln>
+        </p:spPr>
+        <p:style>
+          <a:lnRef idx="2">
+            <a:schemeClr val="accent1">
+              <a:shade val="50000"/>
+            </a:schemeClr>
+          </a:lnRef>
+          <a:fillRef idx="1">
+            <a:schemeClr val="accent1"/>
+          </a:fillRef>
+          <a:effectRef idx="0">
+            <a:schemeClr val="accent1"/>
+          </a:effectRef>
+          <a:fontRef idx="minor">
+            <a:schemeClr val="lt1"/>
+          </a:fontRef>
+        </p:style>
+        <p:txBody>
+          <a:bodyPr rtlCol="0" anchor="ctr"/>
+          <a:lstStyle/>
+          <a:p>
+            <a:pPr algn="ctr"/>
+            <a:endParaRPr lang="ko-KR" altLang="en-US"/>
+          </a:p>
+        </p:txBody>
+      </p:sp>
+      <p:sp>
+        <p:nvSpPr>
+          <p:cNvPr id="8" name="타원 7"/>
+          <p:cNvSpPr/>
+          <p:nvPr/>
+        </p:nvSpPr>
+        <p:spPr>
+          <a:xfrm rot="1782078">
+            <a:off x="3567534" y="2915368"/>
+            <a:ext cx="732071" cy="740986"/>
+          </a:xfrm>
+          <a:prstGeom prst="ellipse">
+            <a:avLst/>
+          </a:prstGeom>
+          <a:noFill/>
+          <a:ln>
+            <a:prstDash val="sysDash"/>
+          </a:ln>
+        </p:spPr>
+        <p:style>
+          <a:lnRef idx="2">
+            <a:schemeClr val="accent1">
+              <a:shade val="50000"/>
+            </a:schemeClr>
+          </a:lnRef>
+          <a:fillRef idx="1">
+            <a:schemeClr val="accent1"/>
+          </a:fillRef>
+          <a:effectRef idx="0">
+            <a:schemeClr val="accent1"/>
+          </a:effectRef>
+          <a:fontRef idx="minor">
+            <a:schemeClr val="lt1"/>
+          </a:fontRef>
+        </p:style>
+        <p:txBody>
+          <a:bodyPr rtlCol="0" anchor="ctr"/>
+          <a:lstStyle/>
+          <a:p>
+            <a:pPr algn="ctr"/>
+            <a:endParaRPr lang="ko-KR" altLang="en-US"/>
+          </a:p>
+        </p:txBody>
+      </p:sp>
+      <p:sp>
+        <p:nvSpPr>
+          <p:cNvPr id="9" name="타원 8"/>
+          <p:cNvSpPr/>
+          <p:nvPr/>
+        </p:nvSpPr>
+        <p:spPr>
+          <a:xfrm rot="1782078">
+            <a:off x="2514656" y="3882424"/>
+            <a:ext cx="1980825" cy="1812556"/>
+          </a:xfrm>
+          <a:prstGeom prst="ellipse">
+            <a:avLst/>
+          </a:prstGeom>
+          <a:noFill/>
+          <a:ln>
+            <a:prstDash val="sysDash"/>
+          </a:ln>
+        </p:spPr>
+        <p:style>
+          <a:lnRef idx="2">
+            <a:schemeClr val="accent1">
+              <a:shade val="50000"/>
+            </a:schemeClr>
+          </a:lnRef>
+          <a:fillRef idx="1">
+            <a:schemeClr val="accent1"/>
+          </a:fillRef>
+          <a:effectRef idx="0">
+            <a:schemeClr val="accent1"/>
+          </a:effectRef>
+          <a:fontRef idx="minor">
+            <a:schemeClr val="lt1"/>
+          </a:fontRef>
+        </p:style>
+        <p:txBody>
+          <a:bodyPr rtlCol="0" anchor="ctr"/>
+          <a:lstStyle/>
+          <a:p>
+            <a:pPr algn="ctr"/>
+            <a:endParaRPr lang="ko-KR" altLang="en-US"/>
+          </a:p>
+        </p:txBody>
+      </p:sp>
+      <p:sp>
+        <p:nvSpPr>
+          <p:cNvPr id="10" name="타원 9"/>
+          <p:cNvSpPr/>
+          <p:nvPr/>
+        </p:nvSpPr>
+        <p:spPr>
+          <a:xfrm rot="1782078">
+            <a:off x="1546267" y="3658775"/>
+            <a:ext cx="858657" cy="836593"/>
+          </a:xfrm>
+          <a:prstGeom prst="ellipse">
+            <a:avLst/>
+          </a:prstGeom>
+          <a:noFill/>
+          <a:ln>
+            <a:prstDash val="sysDash"/>
+          </a:ln>
+        </p:spPr>
+        <p:style>
+          <a:lnRef idx="2">
+            <a:schemeClr val="accent1">
+              <a:shade val="50000"/>
+            </a:schemeClr>
+          </a:lnRef>
+          <a:fillRef idx="1">
+            <a:schemeClr val="accent1"/>
+          </a:fillRef>
+          <a:effectRef idx="0">
+            <a:schemeClr val="accent1"/>
+          </a:effectRef>
+          <a:fontRef idx="minor">
+            <a:schemeClr val="lt1"/>
+          </a:fontRef>
+        </p:style>
+        <p:txBody>
+          <a:bodyPr rtlCol="0" anchor="ctr"/>
+          <a:lstStyle/>
+          <a:p>
+            <a:pPr algn="ctr"/>
+            <a:endParaRPr lang="ko-KR" altLang="en-US"/>
+          </a:p>
+        </p:txBody>
+      </p:sp>
+    </p:spTree>
+    <p:extLst>
+      <p:ext uri="{BB962C8B-B14F-4D97-AF65-F5344CB8AC3E}">
+        <p14:creationId xmlns:p14="http://schemas.microsoft.com/office/powerpoint/2010/main" val="3396493368"/>
+      </p:ext>
+    </p:extLst>
+  </p:cSld>
+  <p:clrMapOvr>
+    <a:masterClrMapping/>
+  </p:clrMapOvr>
+</p:sld>
+</file>
+
+<file path=ppt/slides/slide3.xml><?xml version="1.0" encoding="utf-8"?>
+<p:sld xmlns:a="http://schemas.openxmlformats.org/drawingml/2006/main" xmlns:r="http://schemas.openxmlformats.org/officeDocument/2006/relationships" xmlns:p="http://schemas.openxmlformats.org/presentationml/2006/main">
+  <p:cSld>
+    <p:spTree>
+      <p:nvGrpSpPr>
+        <p:cNvPr id="1" name=""/>
+        <p:cNvGrpSpPr/>
+        <p:nvPr/>
+      </p:nvGrpSpPr>
+      <p:grpSpPr>
+        <a:xfrm>
+          <a:off x="0" y="0"/>
+          <a:ext cx="0" cy="0"/>
+          <a:chOff x="0" y="0"/>
+          <a:chExt cx="0" cy="0"/>
+        </a:xfrm>
+      </p:grpSpPr>
       <p:sp>
         <p:nvSpPr>
           <p:cNvPr id="4" name="모서리가 둥근 직사각형 3"/>
@@ -4744,7 +6049,7 @@
         </p:nvSpPr>
         <p:spPr>
           <a:xfrm>
-            <a:off x="5436096" y="2154051"/>
+            <a:off x="5507662" y="2154051"/>
             <a:ext cx="1512610" cy="461665"/>
           </a:xfrm>
           <a:prstGeom prst="rect">
@@ -4790,15 +6095,7 @@
             <a:pPr algn="ctr"/>
             <a:r>
               <a:rPr lang="en-US" altLang="ko-KR" sz="1200" smtClean="0"/>
-              <a:t>(</a:t>
-            </a:r>
-            <a:r>
-              <a:rPr lang="en-US" altLang="ko-KR" sz="1200" smtClean="0"/>
-              <a:t>Quotation</a:t>
-            </a:r>
-            <a:r>
-              <a:rPr lang="en-US" altLang="ko-KR" sz="1200" smtClean="0"/>
-              <a:t>)</a:t>
+              <a:t>(Quotation)</a:t>
             </a:r>
             <a:endParaRPr lang="ko-KR" altLang="en-US" sz="1200"/>
           </a:p>
@@ -6286,6 +7583,2220 @@
     <p:extLst>
       <p:ext uri="{BB962C8B-B14F-4D97-AF65-F5344CB8AC3E}">
         <p14:creationId xmlns:p14="http://schemas.microsoft.com/office/powerpoint/2010/main" val="1546840040"/>
+      </p:ext>
+    </p:extLst>
+  </p:cSld>
+  <p:clrMapOvr>
+    <a:masterClrMapping/>
+  </p:clrMapOvr>
+</p:sld>
+</file>
+
+<file path=ppt/slides/slide4.xml><?xml version="1.0" encoding="utf-8"?>
+<p:sld xmlns:a="http://schemas.openxmlformats.org/drawingml/2006/main" xmlns:r="http://schemas.openxmlformats.org/officeDocument/2006/relationships" xmlns:p="http://schemas.openxmlformats.org/presentationml/2006/main">
+  <p:cSld>
+    <p:spTree>
+      <p:nvGrpSpPr>
+        <p:cNvPr id="1" name=""/>
+        <p:cNvGrpSpPr/>
+        <p:nvPr/>
+      </p:nvGrpSpPr>
+      <p:grpSpPr>
+        <a:xfrm>
+          <a:off x="0" y="0"/>
+          <a:ext cx="0" cy="0"/>
+          <a:chOff x="0" y="0"/>
+          <a:chExt cx="0" cy="0"/>
+        </a:xfrm>
+      </p:grpSpPr>
+      <p:sp>
+        <p:nvSpPr>
+          <p:cNvPr id="4" name="모서리가 둥근 직사각형 3"/>
+          <p:cNvSpPr/>
+          <p:nvPr/>
+        </p:nvSpPr>
+        <p:spPr>
+          <a:xfrm>
+            <a:off x="899592" y="1340769"/>
+            <a:ext cx="1080120" cy="2088231"/>
+          </a:xfrm>
+          <a:prstGeom prst="roundRect">
+            <a:avLst/>
+          </a:prstGeom>
+        </p:spPr>
+        <p:style>
+          <a:lnRef idx="1">
+            <a:schemeClr val="accent1"/>
+          </a:lnRef>
+          <a:fillRef idx="2">
+            <a:schemeClr val="accent1"/>
+          </a:fillRef>
+          <a:effectRef idx="1">
+            <a:schemeClr val="accent1"/>
+          </a:effectRef>
+          <a:fontRef idx="minor">
+            <a:schemeClr val="dk1"/>
+          </a:fontRef>
+        </p:style>
+        <p:txBody>
+          <a:bodyPr rtlCol="0" anchor="ctr"/>
+          <a:lstStyle/>
+          <a:p>
+            <a:pPr algn="ctr"/>
+            <a:endParaRPr lang="ko-KR" altLang="en-US" sz="1400"/>
+          </a:p>
+        </p:txBody>
+      </p:sp>
+      <p:sp>
+        <p:nvSpPr>
+          <p:cNvPr id="48" name="직사각형 47"/>
+          <p:cNvSpPr/>
+          <p:nvPr/>
+        </p:nvSpPr>
+        <p:spPr>
+          <a:xfrm>
+            <a:off x="683568" y="2103239"/>
+            <a:ext cx="1512610" cy="461665"/>
+          </a:xfrm>
+          <a:prstGeom prst="rect">
+            <a:avLst/>
+          </a:prstGeom>
+        </p:spPr>
+        <p:txBody>
+          <a:bodyPr wrap="square">
+            <a:spAutoFit/>
+          </a:bodyPr>
+          <a:lstStyle/>
+          <a:p>
+            <a:pPr algn="ctr"/>
+            <a:r>
+              <a:rPr lang="ko-KR" altLang="en-US" sz="1200"/>
+              <a:t>정보원</a:t>
+            </a:r>
+            <a:endParaRPr lang="en-US" altLang="ko-KR" sz="1200"/>
+          </a:p>
+          <a:p>
+            <a:pPr algn="ctr"/>
+            <a:r>
+              <a:rPr lang="en-US" altLang="ko-KR" sz="1200"/>
+              <a:t>(News Source)</a:t>
+            </a:r>
+            <a:endParaRPr lang="ko-KR" altLang="en-US" sz="1200"/>
+          </a:p>
+        </p:txBody>
+      </p:sp>
+      <p:sp>
+        <p:nvSpPr>
+          <p:cNvPr id="49" name="모서리가 둥근 직사각형 48"/>
+          <p:cNvSpPr/>
+          <p:nvPr/>
+        </p:nvSpPr>
+        <p:spPr>
+          <a:xfrm>
+            <a:off x="5652120" y="1345043"/>
+            <a:ext cx="1080120" cy="2083957"/>
+          </a:xfrm>
+          <a:prstGeom prst="roundRect">
+            <a:avLst/>
+          </a:prstGeom>
+        </p:spPr>
+        <p:style>
+          <a:lnRef idx="1">
+            <a:schemeClr val="accent2"/>
+          </a:lnRef>
+          <a:fillRef idx="2">
+            <a:schemeClr val="accent2"/>
+          </a:fillRef>
+          <a:effectRef idx="1">
+            <a:schemeClr val="accent2"/>
+          </a:effectRef>
+          <a:fontRef idx="minor">
+            <a:schemeClr val="dk1"/>
+          </a:fontRef>
+        </p:style>
+        <p:txBody>
+          <a:bodyPr rtlCol="0" anchor="ctr"/>
+          <a:lstStyle/>
+          <a:p>
+            <a:pPr algn="ctr"/>
+            <a:endParaRPr lang="ko-KR" altLang="en-US" sz="1400"/>
+          </a:p>
+        </p:txBody>
+      </p:sp>
+      <p:sp>
+        <p:nvSpPr>
+          <p:cNvPr id="50" name="직사각형 49"/>
+          <p:cNvSpPr/>
+          <p:nvPr/>
+        </p:nvSpPr>
+        <p:spPr>
+          <a:xfrm>
+            <a:off x="5363646" y="2154051"/>
+            <a:ext cx="1512610" cy="461665"/>
+          </a:xfrm>
+          <a:prstGeom prst="rect">
+            <a:avLst/>
+          </a:prstGeom>
+          <a:noFill/>
+          <a:ln>
+            <a:noFill/>
+          </a:ln>
+        </p:spPr>
+        <p:style>
+          <a:lnRef idx="1">
+            <a:schemeClr val="accent2"/>
+          </a:lnRef>
+          <a:fillRef idx="2">
+            <a:schemeClr val="accent2"/>
+          </a:fillRef>
+          <a:effectRef idx="1">
+            <a:schemeClr val="accent2"/>
+          </a:effectRef>
+          <a:fontRef idx="minor">
+            <a:schemeClr val="dk1"/>
+          </a:fontRef>
+        </p:style>
+        <p:txBody>
+          <a:bodyPr wrap="square">
+            <a:spAutoFit/>
+          </a:bodyPr>
+          <a:lstStyle/>
+          <a:p>
+            <a:pPr algn="ctr"/>
+            <a:r>
+              <a:rPr lang="ko-KR" altLang="en-US" sz="1200" smtClean="0"/>
+              <a:t>인용</a:t>
+            </a:r>
+            <a:r>
+              <a:rPr lang="ko-KR" altLang="en-US" sz="1200"/>
+              <a:t>문</a:t>
+            </a:r>
+            <a:endParaRPr lang="en-US" altLang="ko-KR" sz="1200"/>
+          </a:p>
+          <a:p>
+            <a:pPr algn="ctr"/>
+            <a:r>
+              <a:rPr lang="en-US" altLang="ko-KR" sz="1200" smtClean="0"/>
+              <a:t>(Quatation)</a:t>
+            </a:r>
+            <a:endParaRPr lang="ko-KR" altLang="en-US" sz="1200"/>
+          </a:p>
+        </p:txBody>
+      </p:sp>
+      <p:sp>
+        <p:nvSpPr>
+          <p:cNvPr id="51" name="모서리가 둥근 직사각형 50"/>
+          <p:cNvSpPr/>
+          <p:nvPr/>
+        </p:nvSpPr>
+        <p:spPr>
+          <a:xfrm>
+            <a:off x="2627784" y="4797153"/>
+            <a:ext cx="2520280" cy="864095"/>
+          </a:xfrm>
+          <a:prstGeom prst="roundRect">
+            <a:avLst/>
+          </a:prstGeom>
+        </p:spPr>
+        <p:style>
+          <a:lnRef idx="1">
+            <a:schemeClr val="accent3"/>
+          </a:lnRef>
+          <a:fillRef idx="2">
+            <a:schemeClr val="accent3"/>
+          </a:fillRef>
+          <a:effectRef idx="1">
+            <a:schemeClr val="accent3"/>
+          </a:effectRef>
+          <a:fontRef idx="minor">
+            <a:schemeClr val="dk1"/>
+          </a:fontRef>
+        </p:style>
+        <p:txBody>
+          <a:bodyPr rtlCol="0" anchor="ctr"/>
+          <a:lstStyle/>
+          <a:p>
+            <a:pPr algn="ctr"/>
+            <a:endParaRPr lang="ko-KR" altLang="en-US" sz="1400"/>
+          </a:p>
+        </p:txBody>
+      </p:sp>
+      <p:sp>
+        <p:nvSpPr>
+          <p:cNvPr id="52" name="직사각형 51"/>
+          <p:cNvSpPr/>
+          <p:nvPr/>
+        </p:nvSpPr>
+        <p:spPr>
+          <a:xfrm>
+            <a:off x="3131840" y="4998367"/>
+            <a:ext cx="1512610" cy="461665"/>
+          </a:xfrm>
+          <a:prstGeom prst="rect">
+            <a:avLst/>
+          </a:prstGeom>
+        </p:spPr>
+        <p:txBody>
+          <a:bodyPr wrap="square">
+            <a:spAutoFit/>
+          </a:bodyPr>
+          <a:lstStyle/>
+          <a:p>
+            <a:pPr algn="ctr"/>
+            <a:r>
+              <a:rPr lang="ko-KR" altLang="en-US" sz="1200" smtClean="0"/>
+              <a:t>기</a:t>
+            </a:r>
+            <a:r>
+              <a:rPr lang="ko-KR" altLang="en-US" sz="1200"/>
+              <a:t>사</a:t>
+            </a:r>
+            <a:endParaRPr lang="en-US" altLang="ko-KR" sz="1200"/>
+          </a:p>
+          <a:p>
+            <a:pPr algn="ctr"/>
+            <a:r>
+              <a:rPr lang="en-US" altLang="ko-KR" sz="1200" smtClean="0"/>
+              <a:t>(Article)</a:t>
+            </a:r>
+            <a:endParaRPr lang="ko-KR" altLang="en-US" sz="1200"/>
+          </a:p>
+        </p:txBody>
+      </p:sp>
+      <p:sp>
+        <p:nvSpPr>
+          <p:cNvPr id="62" name="왼쪽 중괄호 61"/>
+          <p:cNvSpPr/>
+          <p:nvPr/>
+        </p:nvSpPr>
+        <p:spPr>
+          <a:xfrm rot="5400000">
+            <a:off x="3665391" y="-1258029"/>
+            <a:ext cx="360039" cy="4693538"/>
+          </a:xfrm>
+          <a:prstGeom prst="leftBrace">
+            <a:avLst/>
+          </a:prstGeom>
+        </p:spPr>
+        <p:style>
+          <a:lnRef idx="1">
+            <a:schemeClr val="accent1"/>
+          </a:lnRef>
+          <a:fillRef idx="0">
+            <a:schemeClr val="accent1"/>
+          </a:fillRef>
+          <a:effectRef idx="0">
+            <a:schemeClr val="accent1"/>
+          </a:effectRef>
+          <a:fontRef idx="minor">
+            <a:schemeClr val="tx1"/>
+          </a:fontRef>
+        </p:style>
+        <p:txBody>
+          <a:bodyPr rtlCol="0" anchor="ctr"/>
+          <a:lstStyle/>
+          <a:p>
+            <a:pPr algn="ctr"/>
+            <a:endParaRPr lang="ko-KR" altLang="en-US"/>
+          </a:p>
+        </p:txBody>
+      </p:sp>
+      <p:sp>
+        <p:nvSpPr>
+          <p:cNvPr id="63" name="TextBox 62"/>
+          <p:cNvSpPr txBox="1"/>
+          <p:nvPr/>
+        </p:nvSpPr>
+        <p:spPr>
+          <a:xfrm>
+            <a:off x="3665396" y="539388"/>
+            <a:ext cx="330540" cy="369332"/>
+          </a:xfrm>
+          <a:prstGeom prst="rect">
+            <a:avLst/>
+          </a:prstGeom>
+          <a:noFill/>
+        </p:spPr>
+        <p:txBody>
+          <a:bodyPr wrap="none" rtlCol="0">
+            <a:spAutoFit/>
+          </a:bodyPr>
+          <a:lstStyle/>
+          <a:p>
+            <a:r>
+              <a:rPr lang="en-US" altLang="ko-KR" smtClean="0"/>
+              <a:t>V</a:t>
+            </a:r>
+            <a:endParaRPr lang="ko-KR" altLang="en-US"/>
+          </a:p>
+        </p:txBody>
+      </p:sp>
+      <p:sp>
+        <p:nvSpPr>
+          <p:cNvPr id="64" name="왼쪽 중괄호 63"/>
+          <p:cNvSpPr/>
+          <p:nvPr/>
+        </p:nvSpPr>
+        <p:spPr>
+          <a:xfrm rot="19777997">
+            <a:off x="1732365" y="3461012"/>
+            <a:ext cx="362909" cy="1920333"/>
+          </a:xfrm>
+          <a:prstGeom prst="leftBrace">
+            <a:avLst/>
+          </a:prstGeom>
+        </p:spPr>
+        <p:style>
+          <a:lnRef idx="1">
+            <a:schemeClr val="accent1"/>
+          </a:lnRef>
+          <a:fillRef idx="0">
+            <a:schemeClr val="accent1"/>
+          </a:fillRef>
+          <a:effectRef idx="0">
+            <a:schemeClr val="accent1"/>
+          </a:effectRef>
+          <a:fontRef idx="minor">
+            <a:schemeClr val="tx1"/>
+          </a:fontRef>
+        </p:style>
+        <p:txBody>
+          <a:bodyPr rtlCol="0" anchor="ctr"/>
+          <a:lstStyle/>
+          <a:p>
+            <a:pPr algn="ctr"/>
+            <a:endParaRPr lang="ko-KR" altLang="en-US"/>
+          </a:p>
+        </p:txBody>
+      </p:sp>
+      <p:sp>
+        <p:nvSpPr>
+          <p:cNvPr id="65" name="TextBox 64"/>
+          <p:cNvSpPr txBox="1"/>
+          <p:nvPr/>
+        </p:nvSpPr>
+        <p:spPr>
+          <a:xfrm>
+            <a:off x="1475656" y="4427820"/>
+            <a:ext cx="346570" cy="369332"/>
+          </a:xfrm>
+          <a:prstGeom prst="rect">
+            <a:avLst/>
+          </a:prstGeom>
+          <a:noFill/>
+        </p:spPr>
+        <p:txBody>
+          <a:bodyPr wrap="none" rtlCol="0">
+            <a:spAutoFit/>
+          </a:bodyPr>
+          <a:lstStyle/>
+          <a:p>
+            <a:r>
+              <a:rPr lang="en-US" altLang="ko-KR" smtClean="0"/>
+              <a:t>U</a:t>
+            </a:r>
+            <a:endParaRPr lang="ko-KR" altLang="en-US"/>
+          </a:p>
+        </p:txBody>
+      </p:sp>
+      <p:sp>
+        <p:nvSpPr>
+          <p:cNvPr id="66" name="왼쪽 중괄호 65"/>
+          <p:cNvSpPr/>
+          <p:nvPr/>
+        </p:nvSpPr>
+        <p:spPr>
+          <a:xfrm rot="13032238">
+            <a:off x="5767656" y="3475614"/>
+            <a:ext cx="324163" cy="1920333"/>
+          </a:xfrm>
+          <a:prstGeom prst="leftBrace">
+            <a:avLst/>
+          </a:prstGeom>
+        </p:spPr>
+        <p:style>
+          <a:lnRef idx="1">
+            <a:schemeClr val="accent1"/>
+          </a:lnRef>
+          <a:fillRef idx="0">
+            <a:schemeClr val="accent1"/>
+          </a:fillRef>
+          <a:effectRef idx="0">
+            <a:schemeClr val="accent1"/>
+          </a:effectRef>
+          <a:fontRef idx="minor">
+            <a:schemeClr val="tx1"/>
+          </a:fontRef>
+        </p:style>
+        <p:txBody>
+          <a:bodyPr rtlCol="0" anchor="ctr"/>
+          <a:lstStyle/>
+          <a:p>
+            <a:pPr algn="ctr"/>
+            <a:endParaRPr lang="ko-KR" altLang="en-US"/>
+          </a:p>
+        </p:txBody>
+      </p:sp>
+      <p:sp>
+        <p:nvSpPr>
+          <p:cNvPr id="67" name="TextBox 66"/>
+          <p:cNvSpPr txBox="1"/>
+          <p:nvPr/>
+        </p:nvSpPr>
+        <p:spPr>
+          <a:xfrm>
+            <a:off x="6052882" y="4365104"/>
+            <a:ext cx="319318" cy="369332"/>
+          </a:xfrm>
+          <a:prstGeom prst="rect">
+            <a:avLst/>
+          </a:prstGeom>
+          <a:noFill/>
+        </p:spPr>
+        <p:txBody>
+          <a:bodyPr wrap="none" rtlCol="0">
+            <a:spAutoFit/>
+          </a:bodyPr>
+          <a:lstStyle/>
+          <a:p>
+            <a:r>
+              <a:rPr lang="en-US" altLang="ko-KR"/>
+              <a:t>Z</a:t>
+            </a:r>
+            <a:endParaRPr lang="ko-KR" altLang="en-US"/>
+          </a:p>
+        </p:txBody>
+      </p:sp>
+      <p:sp>
+        <p:nvSpPr>
+          <p:cNvPr id="68" name="타원 67"/>
+          <p:cNvSpPr/>
+          <p:nvPr/>
+        </p:nvSpPr>
+        <p:spPr>
+          <a:xfrm>
+            <a:off x="2412202" y="1628800"/>
+            <a:ext cx="287590" cy="288032"/>
+          </a:xfrm>
+          <a:prstGeom prst="ellipse">
+            <a:avLst/>
+          </a:prstGeom>
+        </p:spPr>
+        <p:style>
+          <a:lnRef idx="1">
+            <a:schemeClr val="accent1"/>
+          </a:lnRef>
+          <a:fillRef idx="2">
+            <a:schemeClr val="accent1"/>
+          </a:fillRef>
+          <a:effectRef idx="1">
+            <a:schemeClr val="accent1"/>
+          </a:effectRef>
+          <a:fontRef idx="minor">
+            <a:schemeClr val="dk1"/>
+          </a:fontRef>
+        </p:style>
+        <p:txBody>
+          <a:bodyPr rtlCol="0" anchor="ctr"/>
+          <a:lstStyle/>
+          <a:p>
+            <a:pPr algn="ctr"/>
+            <a:endParaRPr lang="ko-KR" altLang="en-US"/>
+          </a:p>
+        </p:txBody>
+      </p:sp>
+      <p:sp>
+        <p:nvSpPr>
+          <p:cNvPr id="69" name="타원 68"/>
+          <p:cNvSpPr/>
+          <p:nvPr/>
+        </p:nvSpPr>
+        <p:spPr>
+          <a:xfrm>
+            <a:off x="2340194" y="1988840"/>
+            <a:ext cx="287590" cy="288032"/>
+          </a:xfrm>
+          <a:prstGeom prst="ellipse">
+            <a:avLst/>
+          </a:prstGeom>
+        </p:spPr>
+        <p:style>
+          <a:lnRef idx="1">
+            <a:schemeClr val="accent1"/>
+          </a:lnRef>
+          <a:fillRef idx="2">
+            <a:schemeClr val="accent1"/>
+          </a:fillRef>
+          <a:effectRef idx="1">
+            <a:schemeClr val="accent1"/>
+          </a:effectRef>
+          <a:fontRef idx="minor">
+            <a:schemeClr val="dk1"/>
+          </a:fontRef>
+        </p:style>
+        <p:txBody>
+          <a:bodyPr rtlCol="0" anchor="ctr"/>
+          <a:lstStyle/>
+          <a:p>
+            <a:pPr algn="ctr"/>
+            <a:endParaRPr lang="ko-KR" altLang="en-US"/>
+          </a:p>
+        </p:txBody>
+      </p:sp>
+      <p:sp>
+        <p:nvSpPr>
+          <p:cNvPr id="70" name="타원 69"/>
+          <p:cNvSpPr/>
+          <p:nvPr/>
+        </p:nvSpPr>
+        <p:spPr>
+          <a:xfrm>
+            <a:off x="2268186" y="2348880"/>
+            <a:ext cx="287590" cy="288032"/>
+          </a:xfrm>
+          <a:prstGeom prst="ellipse">
+            <a:avLst/>
+          </a:prstGeom>
+        </p:spPr>
+        <p:style>
+          <a:lnRef idx="1">
+            <a:schemeClr val="accent1"/>
+          </a:lnRef>
+          <a:fillRef idx="2">
+            <a:schemeClr val="accent1"/>
+          </a:fillRef>
+          <a:effectRef idx="1">
+            <a:schemeClr val="accent1"/>
+          </a:effectRef>
+          <a:fontRef idx="minor">
+            <a:schemeClr val="dk1"/>
+          </a:fontRef>
+        </p:style>
+        <p:txBody>
+          <a:bodyPr rtlCol="0" anchor="ctr"/>
+          <a:lstStyle/>
+          <a:p>
+            <a:pPr algn="ctr"/>
+            <a:endParaRPr lang="ko-KR" altLang="en-US"/>
+          </a:p>
+        </p:txBody>
+      </p:sp>
+      <p:sp>
+        <p:nvSpPr>
+          <p:cNvPr id="71" name="타원 70"/>
+          <p:cNvSpPr/>
+          <p:nvPr/>
+        </p:nvSpPr>
+        <p:spPr>
+          <a:xfrm>
+            <a:off x="2195736" y="2780928"/>
+            <a:ext cx="287590" cy="288032"/>
+          </a:xfrm>
+          <a:prstGeom prst="ellipse">
+            <a:avLst/>
+          </a:prstGeom>
+        </p:spPr>
+        <p:style>
+          <a:lnRef idx="1">
+            <a:schemeClr val="accent1"/>
+          </a:lnRef>
+          <a:fillRef idx="2">
+            <a:schemeClr val="accent1"/>
+          </a:fillRef>
+          <a:effectRef idx="1">
+            <a:schemeClr val="accent1"/>
+          </a:effectRef>
+          <a:fontRef idx="minor">
+            <a:schemeClr val="dk1"/>
+          </a:fontRef>
+        </p:style>
+        <p:txBody>
+          <a:bodyPr rtlCol="0" anchor="ctr"/>
+          <a:lstStyle/>
+          <a:p>
+            <a:pPr algn="ctr"/>
+            <a:endParaRPr lang="ko-KR" altLang="en-US"/>
+          </a:p>
+        </p:txBody>
+      </p:sp>
+      <p:sp>
+        <p:nvSpPr>
+          <p:cNvPr id="72" name="타원 71"/>
+          <p:cNvSpPr/>
+          <p:nvPr/>
+        </p:nvSpPr>
+        <p:spPr>
+          <a:xfrm>
+            <a:off x="4907000" y="1628800"/>
+            <a:ext cx="287590" cy="288032"/>
+          </a:xfrm>
+          <a:prstGeom prst="ellipse">
+            <a:avLst/>
+          </a:prstGeom>
+        </p:spPr>
+        <p:style>
+          <a:lnRef idx="1">
+            <a:schemeClr val="accent2"/>
+          </a:lnRef>
+          <a:fillRef idx="2">
+            <a:schemeClr val="accent2"/>
+          </a:fillRef>
+          <a:effectRef idx="1">
+            <a:schemeClr val="accent2"/>
+          </a:effectRef>
+          <a:fontRef idx="minor">
+            <a:schemeClr val="dk1"/>
+          </a:fontRef>
+        </p:style>
+        <p:txBody>
+          <a:bodyPr rtlCol="0" anchor="ctr"/>
+          <a:lstStyle/>
+          <a:p>
+            <a:pPr algn="ctr"/>
+            <a:endParaRPr lang="ko-KR" altLang="en-US"/>
+          </a:p>
+        </p:txBody>
+      </p:sp>
+      <p:sp>
+        <p:nvSpPr>
+          <p:cNvPr id="73" name="타원 72"/>
+          <p:cNvSpPr/>
+          <p:nvPr/>
+        </p:nvSpPr>
+        <p:spPr>
+          <a:xfrm>
+            <a:off x="5004048" y="1988840"/>
+            <a:ext cx="287590" cy="288032"/>
+          </a:xfrm>
+          <a:prstGeom prst="ellipse">
+            <a:avLst/>
+          </a:prstGeom>
+        </p:spPr>
+        <p:style>
+          <a:lnRef idx="1">
+            <a:schemeClr val="accent2"/>
+          </a:lnRef>
+          <a:fillRef idx="2">
+            <a:schemeClr val="accent2"/>
+          </a:fillRef>
+          <a:effectRef idx="1">
+            <a:schemeClr val="accent2"/>
+          </a:effectRef>
+          <a:fontRef idx="minor">
+            <a:schemeClr val="dk1"/>
+          </a:fontRef>
+        </p:style>
+        <p:txBody>
+          <a:bodyPr rtlCol="0" anchor="ctr"/>
+          <a:lstStyle/>
+          <a:p>
+            <a:pPr algn="ctr"/>
+            <a:endParaRPr lang="ko-KR" altLang="en-US"/>
+          </a:p>
+        </p:txBody>
+      </p:sp>
+      <p:sp>
+        <p:nvSpPr>
+          <p:cNvPr id="74" name="타원 73"/>
+          <p:cNvSpPr/>
+          <p:nvPr/>
+        </p:nvSpPr>
+        <p:spPr>
+          <a:xfrm>
+            <a:off x="5148506" y="2348880"/>
+            <a:ext cx="287590" cy="288032"/>
+          </a:xfrm>
+          <a:prstGeom prst="ellipse">
+            <a:avLst/>
+          </a:prstGeom>
+        </p:spPr>
+        <p:style>
+          <a:lnRef idx="1">
+            <a:schemeClr val="accent2"/>
+          </a:lnRef>
+          <a:fillRef idx="2">
+            <a:schemeClr val="accent2"/>
+          </a:fillRef>
+          <a:effectRef idx="1">
+            <a:schemeClr val="accent2"/>
+          </a:effectRef>
+          <a:fontRef idx="minor">
+            <a:schemeClr val="dk1"/>
+          </a:fontRef>
+        </p:style>
+        <p:txBody>
+          <a:bodyPr rtlCol="0" anchor="ctr"/>
+          <a:lstStyle/>
+          <a:p>
+            <a:pPr algn="ctr"/>
+            <a:endParaRPr lang="ko-KR" altLang="en-US"/>
+          </a:p>
+        </p:txBody>
+      </p:sp>
+      <p:sp>
+        <p:nvSpPr>
+          <p:cNvPr id="75" name="타원 74"/>
+          <p:cNvSpPr/>
+          <p:nvPr/>
+        </p:nvSpPr>
+        <p:spPr>
+          <a:xfrm>
+            <a:off x="5220514" y="2780928"/>
+            <a:ext cx="287590" cy="288032"/>
+          </a:xfrm>
+          <a:prstGeom prst="ellipse">
+            <a:avLst/>
+          </a:prstGeom>
+        </p:spPr>
+        <p:style>
+          <a:lnRef idx="1">
+            <a:schemeClr val="accent2"/>
+          </a:lnRef>
+          <a:fillRef idx="2">
+            <a:schemeClr val="accent2"/>
+          </a:fillRef>
+          <a:effectRef idx="1">
+            <a:schemeClr val="accent2"/>
+          </a:effectRef>
+          <a:fontRef idx="minor">
+            <a:schemeClr val="dk1"/>
+          </a:fontRef>
+        </p:style>
+        <p:txBody>
+          <a:bodyPr rtlCol="0" anchor="ctr"/>
+          <a:lstStyle/>
+          <a:p>
+            <a:pPr algn="ctr"/>
+            <a:endParaRPr lang="ko-KR" altLang="en-US"/>
+          </a:p>
+        </p:txBody>
+      </p:sp>
+      <p:sp>
+        <p:nvSpPr>
+          <p:cNvPr id="76" name="타원 75"/>
+          <p:cNvSpPr/>
+          <p:nvPr/>
+        </p:nvSpPr>
+        <p:spPr>
+          <a:xfrm>
+            <a:off x="3059611" y="4437112"/>
+            <a:ext cx="287590" cy="288032"/>
+          </a:xfrm>
+          <a:prstGeom prst="ellipse">
+            <a:avLst/>
+          </a:prstGeom>
+        </p:spPr>
+        <p:style>
+          <a:lnRef idx="1">
+            <a:schemeClr val="accent3"/>
+          </a:lnRef>
+          <a:fillRef idx="2">
+            <a:schemeClr val="accent3"/>
+          </a:fillRef>
+          <a:effectRef idx="1">
+            <a:schemeClr val="accent3"/>
+          </a:effectRef>
+          <a:fontRef idx="minor">
+            <a:schemeClr val="dk1"/>
+          </a:fontRef>
+        </p:style>
+        <p:txBody>
+          <a:bodyPr rtlCol="0" anchor="ctr"/>
+          <a:lstStyle/>
+          <a:p>
+            <a:pPr algn="ctr"/>
+            <a:endParaRPr lang="ko-KR" altLang="en-US"/>
+          </a:p>
+        </p:txBody>
+      </p:sp>
+      <p:sp>
+        <p:nvSpPr>
+          <p:cNvPr id="77" name="타원 76"/>
+          <p:cNvSpPr/>
+          <p:nvPr/>
+        </p:nvSpPr>
+        <p:spPr>
+          <a:xfrm>
+            <a:off x="3419430" y="4437112"/>
+            <a:ext cx="287590" cy="288032"/>
+          </a:xfrm>
+          <a:prstGeom prst="ellipse">
+            <a:avLst/>
+          </a:prstGeom>
+        </p:spPr>
+        <p:style>
+          <a:lnRef idx="1">
+            <a:schemeClr val="accent3"/>
+          </a:lnRef>
+          <a:fillRef idx="2">
+            <a:schemeClr val="accent3"/>
+          </a:fillRef>
+          <a:effectRef idx="1">
+            <a:schemeClr val="accent3"/>
+          </a:effectRef>
+          <a:fontRef idx="minor">
+            <a:schemeClr val="dk1"/>
+          </a:fontRef>
+        </p:style>
+        <p:txBody>
+          <a:bodyPr rtlCol="0" anchor="ctr"/>
+          <a:lstStyle/>
+          <a:p>
+            <a:pPr algn="ctr"/>
+            <a:endParaRPr lang="ko-KR" altLang="en-US"/>
+          </a:p>
+        </p:txBody>
+      </p:sp>
+      <p:sp>
+        <p:nvSpPr>
+          <p:cNvPr id="78" name="타원 77"/>
+          <p:cNvSpPr/>
+          <p:nvPr/>
+        </p:nvSpPr>
+        <p:spPr>
+          <a:xfrm>
+            <a:off x="3760505" y="4437112"/>
+            <a:ext cx="287590" cy="288032"/>
+          </a:xfrm>
+          <a:prstGeom prst="ellipse">
+            <a:avLst/>
+          </a:prstGeom>
+        </p:spPr>
+        <p:style>
+          <a:lnRef idx="1">
+            <a:schemeClr val="accent3"/>
+          </a:lnRef>
+          <a:fillRef idx="2">
+            <a:schemeClr val="accent3"/>
+          </a:fillRef>
+          <a:effectRef idx="1">
+            <a:schemeClr val="accent3"/>
+          </a:effectRef>
+          <a:fontRef idx="minor">
+            <a:schemeClr val="dk1"/>
+          </a:fontRef>
+        </p:style>
+        <p:txBody>
+          <a:bodyPr rtlCol="0" anchor="ctr"/>
+          <a:lstStyle/>
+          <a:p>
+            <a:pPr algn="ctr"/>
+            <a:endParaRPr lang="ko-KR" altLang="en-US"/>
+          </a:p>
+        </p:txBody>
+      </p:sp>
+      <p:sp>
+        <p:nvSpPr>
+          <p:cNvPr id="79" name="타원 78"/>
+          <p:cNvSpPr/>
+          <p:nvPr/>
+        </p:nvSpPr>
+        <p:spPr>
+          <a:xfrm>
+            <a:off x="4428426" y="4436116"/>
+            <a:ext cx="287590" cy="288032"/>
+          </a:xfrm>
+          <a:prstGeom prst="ellipse">
+            <a:avLst/>
+          </a:prstGeom>
+        </p:spPr>
+        <p:style>
+          <a:lnRef idx="1">
+            <a:schemeClr val="accent3"/>
+          </a:lnRef>
+          <a:fillRef idx="2">
+            <a:schemeClr val="accent3"/>
+          </a:fillRef>
+          <a:effectRef idx="1">
+            <a:schemeClr val="accent3"/>
+          </a:effectRef>
+          <a:fontRef idx="minor">
+            <a:schemeClr val="dk1"/>
+          </a:fontRef>
+        </p:style>
+        <p:txBody>
+          <a:bodyPr rtlCol="0" anchor="ctr"/>
+          <a:lstStyle/>
+          <a:p>
+            <a:pPr algn="ctr"/>
+            <a:endParaRPr lang="ko-KR" altLang="en-US"/>
+          </a:p>
+        </p:txBody>
+      </p:sp>
+      <p:sp>
+        <p:nvSpPr>
+          <p:cNvPr id="80" name="TextBox 79"/>
+          <p:cNvSpPr txBox="1"/>
+          <p:nvPr/>
+        </p:nvSpPr>
+        <p:spPr>
+          <a:xfrm>
+            <a:off x="2410804" y="1639833"/>
+            <a:ext cx="360996" cy="276999"/>
+          </a:xfrm>
+          <a:prstGeom prst="rect">
+            <a:avLst/>
+          </a:prstGeom>
+          <a:noFill/>
+        </p:spPr>
+        <p:txBody>
+          <a:bodyPr wrap="none" rtlCol="0">
+            <a:spAutoFit/>
+          </a:bodyPr>
+          <a:lstStyle/>
+          <a:p>
+            <a:r>
+              <a:rPr lang="en-US" altLang="ko-KR" sz="1200" b="1" smtClean="0"/>
+              <a:t>S1</a:t>
+            </a:r>
+            <a:endParaRPr lang="ko-KR" altLang="en-US" sz="1200" b="1"/>
+          </a:p>
+        </p:txBody>
+      </p:sp>
+      <p:sp>
+        <p:nvSpPr>
+          <p:cNvPr id="81" name="TextBox 80"/>
+          <p:cNvSpPr txBox="1"/>
+          <p:nvPr/>
+        </p:nvSpPr>
+        <p:spPr>
+          <a:xfrm>
+            <a:off x="2338796" y="1999873"/>
+            <a:ext cx="360996" cy="276999"/>
+          </a:xfrm>
+          <a:prstGeom prst="rect">
+            <a:avLst/>
+          </a:prstGeom>
+          <a:noFill/>
+        </p:spPr>
+        <p:txBody>
+          <a:bodyPr wrap="none" rtlCol="0">
+            <a:spAutoFit/>
+          </a:bodyPr>
+          <a:lstStyle/>
+          <a:p>
+            <a:r>
+              <a:rPr lang="en-US" altLang="ko-KR" sz="1200" b="1" smtClean="0"/>
+              <a:t>S2</a:t>
+            </a:r>
+            <a:endParaRPr lang="ko-KR" altLang="en-US" sz="1200" b="1"/>
+          </a:p>
+        </p:txBody>
+      </p:sp>
+      <p:sp>
+        <p:nvSpPr>
+          <p:cNvPr id="82" name="TextBox 81"/>
+          <p:cNvSpPr txBox="1"/>
+          <p:nvPr/>
+        </p:nvSpPr>
+        <p:spPr>
+          <a:xfrm>
+            <a:off x="2266788" y="2348880"/>
+            <a:ext cx="360996" cy="276999"/>
+          </a:xfrm>
+          <a:prstGeom prst="rect">
+            <a:avLst/>
+          </a:prstGeom>
+          <a:noFill/>
+        </p:spPr>
+        <p:txBody>
+          <a:bodyPr wrap="none" rtlCol="0">
+            <a:spAutoFit/>
+          </a:bodyPr>
+          <a:lstStyle/>
+          <a:p>
+            <a:r>
+              <a:rPr lang="en-US" altLang="ko-KR" sz="1200" b="1" smtClean="0"/>
+              <a:t>S3</a:t>
+            </a:r>
+            <a:endParaRPr lang="ko-KR" altLang="en-US" sz="1200" b="1"/>
+          </a:p>
+        </p:txBody>
+      </p:sp>
+      <p:sp>
+        <p:nvSpPr>
+          <p:cNvPr id="83" name="TextBox 82"/>
+          <p:cNvSpPr txBox="1"/>
+          <p:nvPr/>
+        </p:nvSpPr>
+        <p:spPr>
+          <a:xfrm>
+            <a:off x="2141880" y="2780928"/>
+            <a:ext cx="413896" cy="276999"/>
+          </a:xfrm>
+          <a:prstGeom prst="rect">
+            <a:avLst/>
+          </a:prstGeom>
+          <a:noFill/>
+        </p:spPr>
+        <p:txBody>
+          <a:bodyPr wrap="none" rtlCol="0">
+            <a:spAutoFit/>
+          </a:bodyPr>
+          <a:lstStyle/>
+          <a:p>
+            <a:r>
+              <a:rPr lang="en-US" altLang="ko-KR" sz="1200" b="1" smtClean="0"/>
+              <a:t>Sm</a:t>
+            </a:r>
+            <a:endParaRPr lang="ko-KR" altLang="en-US" sz="1200" b="1"/>
+          </a:p>
+        </p:txBody>
+      </p:sp>
+      <p:sp>
+        <p:nvSpPr>
+          <p:cNvPr id="30" name="TextBox 29"/>
+          <p:cNvSpPr txBox="1"/>
+          <p:nvPr/>
+        </p:nvSpPr>
+        <p:spPr>
+          <a:xfrm>
+            <a:off x="5148064" y="2791961"/>
+            <a:ext cx="397866" cy="276999"/>
+          </a:xfrm>
+          <a:prstGeom prst="rect">
+            <a:avLst/>
+          </a:prstGeom>
+          <a:noFill/>
+        </p:spPr>
+        <p:txBody>
+          <a:bodyPr wrap="none" rtlCol="0">
+            <a:spAutoFit/>
+          </a:bodyPr>
+          <a:lstStyle/>
+          <a:p>
+            <a:r>
+              <a:rPr lang="en-US" altLang="ko-KR" sz="1200" b="1" smtClean="0"/>
+              <a:t>Qn</a:t>
+            </a:r>
+            <a:endParaRPr lang="ko-KR" altLang="en-US" sz="1200" b="1"/>
+          </a:p>
+        </p:txBody>
+      </p:sp>
+      <p:sp>
+        <p:nvSpPr>
+          <p:cNvPr id="31" name="TextBox 30"/>
+          <p:cNvSpPr txBox="1"/>
+          <p:nvPr/>
+        </p:nvSpPr>
+        <p:spPr>
+          <a:xfrm>
+            <a:off x="5113444" y="2359913"/>
+            <a:ext cx="394660" cy="276999"/>
+          </a:xfrm>
+          <a:prstGeom prst="rect">
+            <a:avLst/>
+          </a:prstGeom>
+          <a:noFill/>
+        </p:spPr>
+        <p:txBody>
+          <a:bodyPr wrap="none" rtlCol="0">
+            <a:spAutoFit/>
+          </a:bodyPr>
+          <a:lstStyle/>
+          <a:p>
+            <a:r>
+              <a:rPr lang="en-US" altLang="ko-KR" sz="1200" b="1" smtClean="0"/>
+              <a:t>Q3</a:t>
+            </a:r>
+            <a:endParaRPr lang="ko-KR" altLang="en-US" sz="1200" b="1"/>
+          </a:p>
+        </p:txBody>
+      </p:sp>
+      <p:sp>
+        <p:nvSpPr>
+          <p:cNvPr id="32" name="TextBox 31"/>
+          <p:cNvSpPr txBox="1"/>
+          <p:nvPr/>
+        </p:nvSpPr>
+        <p:spPr>
+          <a:xfrm>
+            <a:off x="4969428" y="1999873"/>
+            <a:ext cx="394660" cy="276999"/>
+          </a:xfrm>
+          <a:prstGeom prst="rect">
+            <a:avLst/>
+          </a:prstGeom>
+          <a:noFill/>
+        </p:spPr>
+        <p:txBody>
+          <a:bodyPr wrap="none" rtlCol="0">
+            <a:spAutoFit/>
+          </a:bodyPr>
+          <a:lstStyle/>
+          <a:p>
+            <a:r>
+              <a:rPr lang="en-US" altLang="ko-KR" sz="1200" b="1" smtClean="0"/>
+              <a:t>Q2</a:t>
+            </a:r>
+            <a:endParaRPr lang="ko-KR" altLang="en-US" sz="1200" b="1"/>
+          </a:p>
+        </p:txBody>
+      </p:sp>
+      <p:sp>
+        <p:nvSpPr>
+          <p:cNvPr id="33" name="TextBox 32"/>
+          <p:cNvSpPr txBox="1"/>
+          <p:nvPr/>
+        </p:nvSpPr>
+        <p:spPr>
+          <a:xfrm>
+            <a:off x="4860032" y="1628800"/>
+            <a:ext cx="394660" cy="276999"/>
+          </a:xfrm>
+          <a:prstGeom prst="rect">
+            <a:avLst/>
+          </a:prstGeom>
+          <a:noFill/>
+        </p:spPr>
+        <p:txBody>
+          <a:bodyPr wrap="none" rtlCol="0">
+            <a:spAutoFit/>
+          </a:bodyPr>
+          <a:lstStyle/>
+          <a:p>
+            <a:r>
+              <a:rPr lang="en-US" altLang="ko-KR" sz="1200" b="1" smtClean="0"/>
+              <a:t>Q1</a:t>
+            </a:r>
+            <a:endParaRPr lang="ko-KR" altLang="en-US" sz="1200" b="1"/>
+          </a:p>
+        </p:txBody>
+      </p:sp>
+      <p:sp>
+        <p:nvSpPr>
+          <p:cNvPr id="34" name="TextBox 33"/>
+          <p:cNvSpPr txBox="1"/>
+          <p:nvPr/>
+        </p:nvSpPr>
+        <p:spPr>
+          <a:xfrm>
+            <a:off x="4393364" y="4448145"/>
+            <a:ext cx="335348" cy="276999"/>
+          </a:xfrm>
+          <a:prstGeom prst="rect">
+            <a:avLst/>
+          </a:prstGeom>
+          <a:noFill/>
+        </p:spPr>
+        <p:txBody>
+          <a:bodyPr wrap="none" rtlCol="0">
+            <a:spAutoFit/>
+          </a:bodyPr>
+          <a:lstStyle/>
+          <a:p>
+            <a:r>
+              <a:rPr lang="en-US" altLang="ko-KR" sz="1200" b="1"/>
+              <a:t>A</a:t>
+            </a:r>
+            <a:r>
+              <a:rPr lang="en-US" altLang="ko-KR" sz="1200" b="1" smtClean="0"/>
+              <a:t>l</a:t>
+            </a:r>
+            <a:endParaRPr lang="ko-KR" altLang="en-US" sz="1200" b="1"/>
+          </a:p>
+        </p:txBody>
+      </p:sp>
+      <p:sp>
+        <p:nvSpPr>
+          <p:cNvPr id="35" name="TextBox 34"/>
+          <p:cNvSpPr txBox="1"/>
+          <p:nvPr/>
+        </p:nvSpPr>
+        <p:spPr>
+          <a:xfrm>
+            <a:off x="3721374" y="4437112"/>
+            <a:ext cx="383438" cy="276999"/>
+          </a:xfrm>
+          <a:prstGeom prst="rect">
+            <a:avLst/>
+          </a:prstGeom>
+          <a:noFill/>
+        </p:spPr>
+        <p:txBody>
+          <a:bodyPr wrap="none" rtlCol="0">
+            <a:spAutoFit/>
+          </a:bodyPr>
+          <a:lstStyle/>
+          <a:p>
+            <a:r>
+              <a:rPr lang="en-US" altLang="ko-KR" sz="1200" b="1"/>
+              <a:t>A</a:t>
+            </a:r>
+            <a:r>
+              <a:rPr lang="en-US" altLang="ko-KR" sz="1200" b="1" smtClean="0"/>
+              <a:t>3</a:t>
+            </a:r>
+            <a:endParaRPr lang="ko-KR" altLang="en-US" sz="1200" b="1"/>
+          </a:p>
+        </p:txBody>
+      </p:sp>
+      <p:sp>
+        <p:nvSpPr>
+          <p:cNvPr id="36" name="TextBox 35"/>
+          <p:cNvSpPr txBox="1"/>
+          <p:nvPr/>
+        </p:nvSpPr>
+        <p:spPr>
+          <a:xfrm>
+            <a:off x="3396474" y="4437112"/>
+            <a:ext cx="383438" cy="276999"/>
+          </a:xfrm>
+          <a:prstGeom prst="rect">
+            <a:avLst/>
+          </a:prstGeom>
+          <a:noFill/>
+        </p:spPr>
+        <p:txBody>
+          <a:bodyPr wrap="none" rtlCol="0">
+            <a:spAutoFit/>
+          </a:bodyPr>
+          <a:lstStyle/>
+          <a:p>
+            <a:r>
+              <a:rPr lang="en-US" altLang="ko-KR" sz="1200" b="1" smtClean="0"/>
+              <a:t>A</a:t>
+            </a:r>
+            <a:r>
+              <a:rPr lang="en-US" altLang="ko-KR" sz="1200" b="1"/>
+              <a:t>2</a:t>
+            </a:r>
+            <a:endParaRPr lang="ko-KR" altLang="en-US" sz="1200" b="1"/>
+          </a:p>
+        </p:txBody>
+      </p:sp>
+      <p:sp>
+        <p:nvSpPr>
+          <p:cNvPr id="37" name="TextBox 36"/>
+          <p:cNvSpPr txBox="1"/>
+          <p:nvPr/>
+        </p:nvSpPr>
+        <p:spPr>
+          <a:xfrm>
+            <a:off x="3036434" y="4437112"/>
+            <a:ext cx="383438" cy="276999"/>
+          </a:xfrm>
+          <a:prstGeom prst="rect">
+            <a:avLst/>
+          </a:prstGeom>
+          <a:noFill/>
+        </p:spPr>
+        <p:txBody>
+          <a:bodyPr wrap="none" rtlCol="0">
+            <a:spAutoFit/>
+          </a:bodyPr>
+          <a:lstStyle/>
+          <a:p>
+            <a:r>
+              <a:rPr lang="en-US" altLang="ko-KR" sz="1200" b="1" smtClean="0"/>
+              <a:t>A</a:t>
+            </a:r>
+            <a:r>
+              <a:rPr lang="en-US" altLang="ko-KR" sz="1200" b="1"/>
+              <a:t>1</a:t>
+            </a:r>
+            <a:endParaRPr lang="ko-KR" altLang="en-US" sz="1200" b="1"/>
+          </a:p>
+        </p:txBody>
+      </p:sp>
+      <p:cxnSp>
+        <p:nvCxnSpPr>
+          <p:cNvPr id="3" name="직선 연결선 2"/>
+          <p:cNvCxnSpPr>
+            <a:stCxn id="80" idx="3"/>
+            <a:endCxn id="33" idx="1"/>
+          </p:cNvCxnSpPr>
+          <p:nvPr/>
+        </p:nvCxnSpPr>
+        <p:spPr>
+          <a:xfrm flipV="1">
+            <a:off x="2771800" y="1767300"/>
+            <a:ext cx="2088232" cy="11033"/>
+          </a:xfrm>
+          <a:prstGeom prst="line">
+            <a:avLst/>
+          </a:prstGeom>
+        </p:spPr>
+        <p:style>
+          <a:lnRef idx="2">
+            <a:schemeClr val="accent1"/>
+          </a:lnRef>
+          <a:fillRef idx="0">
+            <a:schemeClr val="accent1"/>
+          </a:fillRef>
+          <a:effectRef idx="1">
+            <a:schemeClr val="accent1"/>
+          </a:effectRef>
+          <a:fontRef idx="minor">
+            <a:schemeClr val="tx1"/>
+          </a:fontRef>
+        </p:style>
+      </p:cxnSp>
+      <p:cxnSp>
+        <p:nvCxnSpPr>
+          <p:cNvPr id="6" name="직선 연결선 5"/>
+          <p:cNvCxnSpPr>
+            <a:stCxn id="80" idx="3"/>
+            <a:endCxn id="32" idx="1"/>
+          </p:cNvCxnSpPr>
+          <p:nvPr/>
+        </p:nvCxnSpPr>
+        <p:spPr>
+          <a:xfrm>
+            <a:off x="2771800" y="1778333"/>
+            <a:ext cx="2197628" cy="360040"/>
+          </a:xfrm>
+          <a:prstGeom prst="line">
+            <a:avLst/>
+          </a:prstGeom>
+        </p:spPr>
+        <p:style>
+          <a:lnRef idx="2">
+            <a:schemeClr val="accent1"/>
+          </a:lnRef>
+          <a:fillRef idx="0">
+            <a:schemeClr val="accent1"/>
+          </a:fillRef>
+          <a:effectRef idx="1">
+            <a:schemeClr val="accent1"/>
+          </a:effectRef>
+          <a:fontRef idx="minor">
+            <a:schemeClr val="tx1"/>
+          </a:fontRef>
+        </p:style>
+      </p:cxnSp>
+      <p:cxnSp>
+        <p:nvCxnSpPr>
+          <p:cNvPr id="8" name="직선 연결선 7"/>
+          <p:cNvCxnSpPr>
+            <a:stCxn id="81" idx="3"/>
+            <a:endCxn id="31" idx="1"/>
+          </p:cNvCxnSpPr>
+          <p:nvPr/>
+        </p:nvCxnSpPr>
+        <p:spPr>
+          <a:xfrm>
+            <a:off x="2699792" y="2138373"/>
+            <a:ext cx="2413652" cy="360040"/>
+          </a:xfrm>
+          <a:prstGeom prst="line">
+            <a:avLst/>
+          </a:prstGeom>
+        </p:spPr>
+        <p:style>
+          <a:lnRef idx="2">
+            <a:schemeClr val="accent2"/>
+          </a:lnRef>
+          <a:fillRef idx="0">
+            <a:schemeClr val="accent2"/>
+          </a:fillRef>
+          <a:effectRef idx="1">
+            <a:schemeClr val="accent2"/>
+          </a:effectRef>
+          <a:fontRef idx="minor">
+            <a:schemeClr val="tx1"/>
+          </a:fontRef>
+        </p:style>
+      </p:cxnSp>
+      <p:cxnSp>
+        <p:nvCxnSpPr>
+          <p:cNvPr id="16" name="직선 연결선 15"/>
+          <p:cNvCxnSpPr>
+            <a:stCxn id="81" idx="3"/>
+            <a:endCxn id="35" idx="0"/>
+          </p:cNvCxnSpPr>
+          <p:nvPr/>
+        </p:nvCxnSpPr>
+        <p:spPr>
+          <a:xfrm>
+            <a:off x="2699792" y="2138373"/>
+            <a:ext cx="1213301" cy="2298739"/>
+          </a:xfrm>
+          <a:prstGeom prst="line">
+            <a:avLst/>
+          </a:prstGeom>
+        </p:spPr>
+        <p:style>
+          <a:lnRef idx="2">
+            <a:schemeClr val="accent2"/>
+          </a:lnRef>
+          <a:fillRef idx="0">
+            <a:schemeClr val="accent2"/>
+          </a:fillRef>
+          <a:effectRef idx="1">
+            <a:schemeClr val="accent2"/>
+          </a:effectRef>
+          <a:fontRef idx="minor">
+            <a:schemeClr val="tx1"/>
+          </a:fontRef>
+        </p:style>
+      </p:cxnSp>
+      <p:cxnSp>
+        <p:nvCxnSpPr>
+          <p:cNvPr id="19" name="직선 연결선 18"/>
+          <p:cNvCxnSpPr>
+            <a:stCxn id="74" idx="2"/>
+            <a:endCxn id="78" idx="0"/>
+          </p:cNvCxnSpPr>
+          <p:nvPr/>
+        </p:nvCxnSpPr>
+        <p:spPr>
+          <a:xfrm flipH="1">
+            <a:off x="3904300" y="2492896"/>
+            <a:ext cx="1244206" cy="1944216"/>
+          </a:xfrm>
+          <a:prstGeom prst="line">
+            <a:avLst/>
+          </a:prstGeom>
+        </p:spPr>
+        <p:style>
+          <a:lnRef idx="2">
+            <a:schemeClr val="accent2"/>
+          </a:lnRef>
+          <a:fillRef idx="0">
+            <a:schemeClr val="accent2"/>
+          </a:fillRef>
+          <a:effectRef idx="1">
+            <a:schemeClr val="accent2"/>
+          </a:effectRef>
+          <a:fontRef idx="minor">
+            <a:schemeClr val="tx1"/>
+          </a:fontRef>
+        </p:style>
+      </p:cxnSp>
+      <p:cxnSp>
+        <p:nvCxnSpPr>
+          <p:cNvPr id="21" name="직선 연결선 20"/>
+          <p:cNvCxnSpPr>
+            <a:stCxn id="33" idx="1"/>
+            <a:endCxn id="76" idx="0"/>
+          </p:cNvCxnSpPr>
+          <p:nvPr/>
+        </p:nvCxnSpPr>
+        <p:spPr>
+          <a:xfrm flipH="1">
+            <a:off x="3203406" y="1767300"/>
+            <a:ext cx="1656626" cy="2669812"/>
+          </a:xfrm>
+          <a:prstGeom prst="line">
+            <a:avLst/>
+          </a:prstGeom>
+        </p:spPr>
+        <p:style>
+          <a:lnRef idx="2">
+            <a:schemeClr val="accent1"/>
+          </a:lnRef>
+          <a:fillRef idx="0">
+            <a:schemeClr val="accent1"/>
+          </a:fillRef>
+          <a:effectRef idx="1">
+            <a:schemeClr val="accent1"/>
+          </a:effectRef>
+          <a:fontRef idx="minor">
+            <a:schemeClr val="tx1"/>
+          </a:fontRef>
+        </p:style>
+      </p:cxnSp>
+      <p:cxnSp>
+        <p:nvCxnSpPr>
+          <p:cNvPr id="23" name="직선 연결선 22"/>
+          <p:cNvCxnSpPr>
+            <a:stCxn id="32" idx="1"/>
+            <a:endCxn id="77" idx="0"/>
+          </p:cNvCxnSpPr>
+          <p:nvPr/>
+        </p:nvCxnSpPr>
+        <p:spPr>
+          <a:xfrm flipH="1">
+            <a:off x="3563225" y="2138373"/>
+            <a:ext cx="1406203" cy="2298739"/>
+          </a:xfrm>
+          <a:prstGeom prst="line">
+            <a:avLst/>
+          </a:prstGeom>
+        </p:spPr>
+        <p:style>
+          <a:lnRef idx="2">
+            <a:schemeClr val="accent1"/>
+          </a:lnRef>
+          <a:fillRef idx="0">
+            <a:schemeClr val="accent1"/>
+          </a:fillRef>
+          <a:effectRef idx="1">
+            <a:schemeClr val="accent1"/>
+          </a:effectRef>
+          <a:fontRef idx="minor">
+            <a:schemeClr val="tx1"/>
+          </a:fontRef>
+        </p:style>
+      </p:cxnSp>
+      <p:cxnSp>
+        <p:nvCxnSpPr>
+          <p:cNvPr id="26" name="직선 연결선 25"/>
+          <p:cNvCxnSpPr>
+            <a:stCxn id="80" idx="3"/>
+            <a:endCxn id="37" idx="0"/>
+          </p:cNvCxnSpPr>
+          <p:nvPr/>
+        </p:nvCxnSpPr>
+        <p:spPr>
+          <a:xfrm>
+            <a:off x="2771800" y="1778333"/>
+            <a:ext cx="456353" cy="2658779"/>
+          </a:xfrm>
+          <a:prstGeom prst="line">
+            <a:avLst/>
+          </a:prstGeom>
+        </p:spPr>
+        <p:style>
+          <a:lnRef idx="2">
+            <a:schemeClr val="accent1"/>
+          </a:lnRef>
+          <a:fillRef idx="0">
+            <a:schemeClr val="accent1"/>
+          </a:fillRef>
+          <a:effectRef idx="1">
+            <a:schemeClr val="accent1"/>
+          </a:effectRef>
+          <a:fontRef idx="minor">
+            <a:schemeClr val="tx1"/>
+          </a:fontRef>
+        </p:style>
+      </p:cxnSp>
+      <p:cxnSp>
+        <p:nvCxnSpPr>
+          <p:cNvPr id="84" name="직선 연결선 83"/>
+          <p:cNvCxnSpPr>
+            <a:stCxn id="31" idx="1"/>
+            <a:endCxn id="36" idx="0"/>
+          </p:cNvCxnSpPr>
+          <p:nvPr/>
+        </p:nvCxnSpPr>
+        <p:spPr>
+          <a:xfrm flipH="1">
+            <a:off x="3588193" y="2498413"/>
+            <a:ext cx="1525251" cy="1938699"/>
+          </a:xfrm>
+          <a:prstGeom prst="line">
+            <a:avLst/>
+          </a:prstGeom>
+        </p:spPr>
+        <p:style>
+          <a:lnRef idx="2">
+            <a:schemeClr val="accent2"/>
+          </a:lnRef>
+          <a:fillRef idx="0">
+            <a:schemeClr val="accent2"/>
+          </a:fillRef>
+          <a:effectRef idx="1">
+            <a:schemeClr val="accent2"/>
+          </a:effectRef>
+          <a:fontRef idx="minor">
+            <a:schemeClr val="tx1"/>
+          </a:fontRef>
+        </p:style>
+      </p:cxnSp>
+      <p:cxnSp>
+        <p:nvCxnSpPr>
+          <p:cNvPr id="85" name="직선 연결선 84"/>
+          <p:cNvCxnSpPr>
+            <a:endCxn id="77" idx="0"/>
+          </p:cNvCxnSpPr>
+          <p:nvPr/>
+        </p:nvCxnSpPr>
+        <p:spPr>
+          <a:xfrm>
+            <a:off x="2699792" y="2132856"/>
+            <a:ext cx="863433" cy="2304256"/>
+          </a:xfrm>
+          <a:prstGeom prst="line">
+            <a:avLst/>
+          </a:prstGeom>
+        </p:spPr>
+        <p:style>
+          <a:lnRef idx="2">
+            <a:schemeClr val="accent2"/>
+          </a:lnRef>
+          <a:fillRef idx="0">
+            <a:schemeClr val="accent2"/>
+          </a:fillRef>
+          <a:effectRef idx="1">
+            <a:schemeClr val="accent2"/>
+          </a:effectRef>
+          <a:fontRef idx="minor">
+            <a:schemeClr val="tx1"/>
+          </a:fontRef>
+        </p:style>
+      </p:cxnSp>
+      <p:cxnSp>
+        <p:nvCxnSpPr>
+          <p:cNvPr id="86" name="직선 연결선 85"/>
+          <p:cNvCxnSpPr>
+            <a:stCxn id="80" idx="3"/>
+            <a:endCxn id="36" idx="0"/>
+          </p:cNvCxnSpPr>
+          <p:nvPr/>
+        </p:nvCxnSpPr>
+        <p:spPr>
+          <a:xfrm>
+            <a:off x="2771800" y="1778333"/>
+            <a:ext cx="816393" cy="2658779"/>
+          </a:xfrm>
+          <a:prstGeom prst="line">
+            <a:avLst/>
+          </a:prstGeom>
+        </p:spPr>
+        <p:style>
+          <a:lnRef idx="2">
+            <a:schemeClr val="accent1"/>
+          </a:lnRef>
+          <a:fillRef idx="0">
+            <a:schemeClr val="accent1"/>
+          </a:fillRef>
+          <a:effectRef idx="1">
+            <a:schemeClr val="accent1"/>
+          </a:effectRef>
+          <a:fontRef idx="minor">
+            <a:schemeClr val="tx1"/>
+          </a:fontRef>
+        </p:style>
+      </p:cxnSp>
+    </p:spTree>
+    <p:extLst>
+      <p:ext uri="{BB962C8B-B14F-4D97-AF65-F5344CB8AC3E}">
+        <p14:creationId xmlns:p14="http://schemas.microsoft.com/office/powerpoint/2010/main" val="67758080"/>
+      </p:ext>
+    </p:extLst>
+  </p:cSld>
+  <p:clrMapOvr>
+    <a:masterClrMapping/>
+  </p:clrMapOvr>
+</p:sld>
+</file>
+
+<file path=ppt/slides/slide5.xml><?xml version="1.0" encoding="utf-8"?>
+<p:sld xmlns:a="http://schemas.openxmlformats.org/drawingml/2006/main" xmlns:r="http://schemas.openxmlformats.org/officeDocument/2006/relationships" xmlns:p="http://schemas.openxmlformats.org/presentationml/2006/main">
+  <p:cSld>
+    <p:spTree>
+      <p:nvGrpSpPr>
+        <p:cNvPr id="1" name=""/>
+        <p:cNvGrpSpPr/>
+        <p:nvPr/>
+      </p:nvGrpSpPr>
+      <p:grpSpPr>
+        <a:xfrm>
+          <a:off x="0" y="0"/>
+          <a:ext cx="0" cy="0"/>
+          <a:chOff x="0" y="0"/>
+          <a:chExt cx="0" cy="0"/>
+        </a:xfrm>
+      </p:grpSpPr>
+      <p:pic>
+        <p:nvPicPr>
+          <p:cNvPr id="6" name="내용 개체 틀 5"/>
+          <p:cNvPicPr>
+            <a:picLocks noGrp="1" noChangeAspect="1"/>
+          </p:cNvPicPr>
+          <p:nvPr>
+            <p:ph idx="1"/>
+          </p:nvPr>
+        </p:nvPicPr>
+        <p:blipFill>
+          <a:blip r:embed="rId3" cstate="print">
+            <a:extLst>
+              <a:ext uri="{28A0092B-C50C-407E-A947-70E740481C1C}">
+                <a14:useLocalDpi xmlns:a14="http://schemas.microsoft.com/office/drawing/2010/main" val="0"/>
+              </a:ext>
+            </a:extLst>
+          </a:blip>
+          <a:stretch>
+            <a:fillRect/>
+          </a:stretch>
+        </p:blipFill>
+        <p:spPr>
+          <a:xfrm>
+            <a:off x="3131840" y="692696"/>
+            <a:ext cx="2715385" cy="5244391"/>
+          </a:xfrm>
+        </p:spPr>
+      </p:pic>
+      <p:sp>
+        <p:nvSpPr>
+          <p:cNvPr id="8" name="TextBox 7"/>
+          <p:cNvSpPr txBox="1"/>
+          <p:nvPr/>
+        </p:nvSpPr>
+        <p:spPr>
+          <a:xfrm>
+            <a:off x="1547664" y="1628800"/>
+            <a:ext cx="1391728" cy="369332"/>
+          </a:xfrm>
+          <a:prstGeom prst="rect">
+            <a:avLst/>
+          </a:prstGeom>
+          <a:noFill/>
+        </p:spPr>
+        <p:txBody>
+          <a:bodyPr wrap="none" rtlCol="0">
+            <a:spAutoFit/>
+          </a:bodyPr>
+          <a:lstStyle/>
+          <a:p>
+            <a:r>
+              <a:rPr lang="en-US" altLang="ko-KR" smtClean="0"/>
+              <a:t>q_id </a:t>
+            </a:r>
+            <a:r>
+              <a:rPr lang="ko-KR" altLang="en-US" smtClean="0"/>
+              <a:t>출발지</a:t>
+            </a:r>
+            <a:endParaRPr lang="ko-KR" altLang="en-US"/>
+          </a:p>
+        </p:txBody>
+      </p:sp>
+      <p:sp>
+        <p:nvSpPr>
+          <p:cNvPr id="10" name="TextBox 9"/>
+          <p:cNvSpPr txBox="1"/>
+          <p:nvPr/>
+        </p:nvSpPr>
+        <p:spPr>
+          <a:xfrm>
+            <a:off x="1619672" y="1252008"/>
+            <a:ext cx="1391728" cy="369332"/>
+          </a:xfrm>
+          <a:prstGeom prst="rect">
+            <a:avLst/>
+          </a:prstGeom>
+          <a:noFill/>
+        </p:spPr>
+        <p:txBody>
+          <a:bodyPr wrap="none" rtlCol="0">
+            <a:spAutoFit/>
+          </a:bodyPr>
+          <a:lstStyle/>
+          <a:p>
+            <a:r>
+              <a:rPr lang="en-US" altLang="ko-KR" smtClean="0"/>
+              <a:t>q_id </a:t>
+            </a:r>
+            <a:r>
+              <a:rPr lang="ko-KR" altLang="en-US" smtClean="0"/>
+              <a:t>목적지</a:t>
+            </a:r>
+            <a:endParaRPr lang="ko-KR" altLang="en-US"/>
+          </a:p>
+        </p:txBody>
+      </p:sp>
+      <p:sp>
+        <p:nvSpPr>
+          <p:cNvPr id="11" name="타원 10"/>
+          <p:cNvSpPr/>
+          <p:nvPr/>
+        </p:nvSpPr>
+        <p:spPr>
+          <a:xfrm>
+            <a:off x="3059832" y="2132856"/>
+            <a:ext cx="288032" cy="288032"/>
+          </a:xfrm>
+          <a:prstGeom prst="ellipse">
+            <a:avLst/>
+          </a:prstGeom>
+          <a:noFill/>
+          <a:ln>
+            <a:solidFill>
+              <a:srgbClr val="FF0000"/>
+            </a:solidFill>
+          </a:ln>
+        </p:spPr>
+        <p:style>
+          <a:lnRef idx="2">
+            <a:schemeClr val="accent1">
+              <a:shade val="50000"/>
+            </a:schemeClr>
+          </a:lnRef>
+          <a:fillRef idx="1">
+            <a:schemeClr val="accent1"/>
+          </a:fillRef>
+          <a:effectRef idx="0">
+            <a:schemeClr val="accent1"/>
+          </a:effectRef>
+          <a:fontRef idx="minor">
+            <a:schemeClr val="lt1"/>
+          </a:fontRef>
+        </p:style>
+        <p:txBody>
+          <a:bodyPr rtlCol="0" anchor="ctr"/>
+          <a:lstStyle/>
+          <a:p>
+            <a:pPr algn="ctr"/>
+            <a:endParaRPr lang="ko-KR" altLang="en-US"/>
+          </a:p>
+        </p:txBody>
+      </p:sp>
+      <p:sp>
+        <p:nvSpPr>
+          <p:cNvPr id="12" name="타원 11"/>
+          <p:cNvSpPr/>
+          <p:nvPr/>
+        </p:nvSpPr>
+        <p:spPr>
+          <a:xfrm>
+            <a:off x="3347864" y="2132856"/>
+            <a:ext cx="288032" cy="288032"/>
+          </a:xfrm>
+          <a:prstGeom prst="ellipse">
+            <a:avLst/>
+          </a:prstGeom>
+          <a:noFill/>
+          <a:ln>
+            <a:solidFill>
+              <a:srgbClr val="FF0000"/>
+            </a:solidFill>
+          </a:ln>
+        </p:spPr>
+        <p:style>
+          <a:lnRef idx="2">
+            <a:schemeClr val="accent1">
+              <a:shade val="50000"/>
+            </a:schemeClr>
+          </a:lnRef>
+          <a:fillRef idx="1">
+            <a:schemeClr val="accent1"/>
+          </a:fillRef>
+          <a:effectRef idx="0">
+            <a:schemeClr val="accent1"/>
+          </a:effectRef>
+          <a:fontRef idx="minor">
+            <a:schemeClr val="lt1"/>
+          </a:fontRef>
+        </p:style>
+        <p:txBody>
+          <a:bodyPr rtlCol="0" anchor="ctr"/>
+          <a:lstStyle/>
+          <a:p>
+            <a:pPr algn="ctr"/>
+            <a:endParaRPr lang="ko-KR" altLang="en-US"/>
+          </a:p>
+        </p:txBody>
+      </p:sp>
+      <p:sp>
+        <p:nvSpPr>
+          <p:cNvPr id="13" name="타원 12"/>
+          <p:cNvSpPr/>
+          <p:nvPr/>
+        </p:nvSpPr>
+        <p:spPr>
+          <a:xfrm>
+            <a:off x="3635896" y="2132856"/>
+            <a:ext cx="1008112" cy="288032"/>
+          </a:xfrm>
+          <a:prstGeom prst="ellipse">
+            <a:avLst/>
+          </a:prstGeom>
+          <a:noFill/>
+          <a:ln>
+            <a:solidFill>
+              <a:srgbClr val="FF0000"/>
+            </a:solidFill>
+          </a:ln>
+        </p:spPr>
+        <p:style>
+          <a:lnRef idx="2">
+            <a:schemeClr val="accent1">
+              <a:shade val="50000"/>
+            </a:schemeClr>
+          </a:lnRef>
+          <a:fillRef idx="1">
+            <a:schemeClr val="accent1"/>
+          </a:fillRef>
+          <a:effectRef idx="0">
+            <a:schemeClr val="accent1"/>
+          </a:effectRef>
+          <a:fontRef idx="minor">
+            <a:schemeClr val="lt1"/>
+          </a:fontRef>
+        </p:style>
+        <p:txBody>
+          <a:bodyPr rtlCol="0" anchor="ctr"/>
+          <a:lstStyle/>
+          <a:p>
+            <a:pPr algn="ctr"/>
+            <a:endParaRPr lang="ko-KR" altLang="en-US"/>
+          </a:p>
+        </p:txBody>
+      </p:sp>
+      <p:sp>
+        <p:nvSpPr>
+          <p:cNvPr id="14" name="타원 13"/>
+          <p:cNvSpPr/>
+          <p:nvPr/>
+        </p:nvSpPr>
+        <p:spPr>
+          <a:xfrm>
+            <a:off x="4644008" y="2132856"/>
+            <a:ext cx="288032" cy="288032"/>
+          </a:xfrm>
+          <a:prstGeom prst="ellipse">
+            <a:avLst/>
+          </a:prstGeom>
+          <a:noFill/>
+          <a:ln>
+            <a:solidFill>
+              <a:srgbClr val="FF0000"/>
+            </a:solidFill>
+          </a:ln>
+        </p:spPr>
+        <p:style>
+          <a:lnRef idx="2">
+            <a:schemeClr val="accent1">
+              <a:shade val="50000"/>
+            </a:schemeClr>
+          </a:lnRef>
+          <a:fillRef idx="1">
+            <a:schemeClr val="accent1"/>
+          </a:fillRef>
+          <a:effectRef idx="0">
+            <a:schemeClr val="accent1"/>
+          </a:effectRef>
+          <a:fontRef idx="minor">
+            <a:schemeClr val="lt1"/>
+          </a:fontRef>
+        </p:style>
+        <p:txBody>
+          <a:bodyPr rtlCol="0" anchor="ctr"/>
+          <a:lstStyle/>
+          <a:p>
+            <a:pPr algn="ctr"/>
+            <a:endParaRPr lang="ko-KR" altLang="en-US"/>
+          </a:p>
+        </p:txBody>
+      </p:sp>
+      <p:cxnSp>
+        <p:nvCxnSpPr>
+          <p:cNvPr id="16" name="직선 연결선 15"/>
+          <p:cNvCxnSpPr>
+            <a:endCxn id="11" idx="2"/>
+          </p:cNvCxnSpPr>
+          <p:nvPr/>
+        </p:nvCxnSpPr>
+        <p:spPr>
+          <a:xfrm>
+            <a:off x="2483768" y="1916832"/>
+            <a:ext cx="576064" cy="360040"/>
+          </a:xfrm>
+          <a:prstGeom prst="line">
+            <a:avLst/>
+          </a:prstGeom>
+        </p:spPr>
+        <p:style>
+          <a:lnRef idx="2">
+            <a:schemeClr val="accent2"/>
+          </a:lnRef>
+          <a:fillRef idx="0">
+            <a:schemeClr val="accent2"/>
+          </a:fillRef>
+          <a:effectRef idx="1">
+            <a:schemeClr val="accent2"/>
+          </a:effectRef>
+          <a:fontRef idx="minor">
+            <a:schemeClr val="tx1"/>
+          </a:fontRef>
+        </p:style>
+      </p:cxnSp>
+      <p:cxnSp>
+        <p:nvCxnSpPr>
+          <p:cNvPr id="17" name="직선 연결선 16"/>
+          <p:cNvCxnSpPr>
+            <a:endCxn id="12" idx="1"/>
+          </p:cNvCxnSpPr>
+          <p:nvPr/>
+        </p:nvCxnSpPr>
+        <p:spPr>
+          <a:xfrm>
+            <a:off x="2915816" y="1621340"/>
+            <a:ext cx="474229" cy="553697"/>
+          </a:xfrm>
+          <a:prstGeom prst="line">
+            <a:avLst/>
+          </a:prstGeom>
+        </p:spPr>
+        <p:style>
+          <a:lnRef idx="2">
+            <a:schemeClr val="accent2"/>
+          </a:lnRef>
+          <a:fillRef idx="0">
+            <a:schemeClr val="accent2"/>
+          </a:fillRef>
+          <a:effectRef idx="1">
+            <a:schemeClr val="accent2"/>
+          </a:effectRef>
+          <a:fontRef idx="minor">
+            <a:schemeClr val="tx1"/>
+          </a:fontRef>
+        </p:style>
+      </p:cxnSp>
+      <p:cxnSp>
+        <p:nvCxnSpPr>
+          <p:cNvPr id="20" name="직선 연결선 19"/>
+          <p:cNvCxnSpPr/>
+          <p:nvPr/>
+        </p:nvCxnSpPr>
+        <p:spPr>
+          <a:xfrm flipH="1">
+            <a:off x="4283968" y="1621340"/>
+            <a:ext cx="1656184" cy="511516"/>
+          </a:xfrm>
+          <a:prstGeom prst="line">
+            <a:avLst/>
+          </a:prstGeom>
+        </p:spPr>
+        <p:style>
+          <a:lnRef idx="2">
+            <a:schemeClr val="accent2"/>
+          </a:lnRef>
+          <a:fillRef idx="0">
+            <a:schemeClr val="accent2"/>
+          </a:fillRef>
+          <a:effectRef idx="1">
+            <a:schemeClr val="accent2"/>
+          </a:effectRef>
+          <a:fontRef idx="minor">
+            <a:schemeClr val="tx1"/>
+          </a:fontRef>
+        </p:style>
+      </p:cxnSp>
+      <p:cxnSp>
+        <p:nvCxnSpPr>
+          <p:cNvPr id="22" name="직선 연결선 21"/>
+          <p:cNvCxnSpPr/>
+          <p:nvPr/>
+        </p:nvCxnSpPr>
+        <p:spPr>
+          <a:xfrm flipH="1">
+            <a:off x="4932040" y="1916832"/>
+            <a:ext cx="1224136" cy="368424"/>
+          </a:xfrm>
+          <a:prstGeom prst="line">
+            <a:avLst/>
+          </a:prstGeom>
+        </p:spPr>
+        <p:style>
+          <a:lnRef idx="2">
+            <a:schemeClr val="accent2"/>
+          </a:lnRef>
+          <a:fillRef idx="0">
+            <a:schemeClr val="accent2"/>
+          </a:fillRef>
+          <a:effectRef idx="1">
+            <a:schemeClr val="accent2"/>
+          </a:effectRef>
+          <a:fontRef idx="minor">
+            <a:schemeClr val="tx1"/>
+          </a:fontRef>
+        </p:style>
+      </p:cxnSp>
+      <p:sp>
+        <p:nvSpPr>
+          <p:cNvPr id="24" name="TextBox 23"/>
+          <p:cNvSpPr txBox="1"/>
+          <p:nvPr/>
+        </p:nvSpPr>
+        <p:spPr>
+          <a:xfrm>
+            <a:off x="6012160" y="1275975"/>
+            <a:ext cx="646331" cy="369332"/>
+          </a:xfrm>
+          <a:prstGeom prst="rect">
+            <a:avLst/>
+          </a:prstGeom>
+          <a:noFill/>
+        </p:spPr>
+        <p:txBody>
+          <a:bodyPr wrap="none" rtlCol="0">
+            <a:spAutoFit/>
+          </a:bodyPr>
+          <a:lstStyle/>
+          <a:p>
+            <a:r>
+              <a:rPr lang="ko-KR" altLang="en-US" smtClean="0"/>
+              <a:t>경</a:t>
+            </a:r>
+            <a:r>
+              <a:rPr lang="ko-KR" altLang="en-US"/>
+              <a:t>로</a:t>
+            </a:r>
+          </a:p>
+        </p:txBody>
+      </p:sp>
+      <p:sp>
+        <p:nvSpPr>
+          <p:cNvPr id="26" name="TextBox 25"/>
+          <p:cNvSpPr txBox="1"/>
+          <p:nvPr/>
+        </p:nvSpPr>
+        <p:spPr>
+          <a:xfrm>
+            <a:off x="6164560" y="1763524"/>
+            <a:ext cx="3013967" cy="923330"/>
+          </a:xfrm>
+          <a:prstGeom prst="rect">
+            <a:avLst/>
+          </a:prstGeom>
+          <a:noFill/>
+        </p:spPr>
+        <p:txBody>
+          <a:bodyPr wrap="none" rtlCol="0">
+            <a:spAutoFit/>
+          </a:bodyPr>
+          <a:lstStyle/>
+          <a:p>
+            <a:r>
+              <a:rPr lang="en-US" altLang="ko-KR" smtClean="0"/>
+              <a:t>23</a:t>
+            </a:r>
+            <a:r>
+              <a:rPr lang="ko-KR" altLang="en-US" smtClean="0"/>
+              <a:t>에서 </a:t>
+            </a:r>
+            <a:r>
+              <a:rPr lang="en-US" altLang="ko-KR" smtClean="0"/>
+              <a:t>44</a:t>
+            </a:r>
+            <a:r>
+              <a:rPr lang="ko-KR" altLang="en-US" smtClean="0"/>
+              <a:t>로 가는 경우에서</a:t>
+            </a:r>
+            <a:endParaRPr lang="en-US" altLang="ko-KR" smtClean="0"/>
+          </a:p>
+          <a:p>
+            <a:r>
+              <a:rPr lang="en-US" altLang="ko-KR" smtClean="0"/>
+              <a:t>39</a:t>
+            </a:r>
+            <a:r>
+              <a:rPr lang="ko-KR" altLang="en-US" smtClean="0"/>
+              <a:t>를 거쳐가는 경우의</a:t>
+            </a:r>
+            <a:endParaRPr lang="en-US" altLang="ko-KR" smtClean="0"/>
+          </a:p>
+          <a:p>
+            <a:r>
+              <a:rPr lang="en-US" altLang="ko-KR" smtClean="0"/>
+              <a:t>Exemplar </a:t>
+            </a:r>
+            <a:r>
+              <a:rPr lang="ko-KR" altLang="en-US" smtClean="0"/>
+              <a:t>간 거리</a:t>
+            </a:r>
+            <a:endParaRPr lang="ko-KR" altLang="en-US"/>
+          </a:p>
+        </p:txBody>
+      </p:sp>
+    </p:spTree>
+    <p:extLst>
+      <p:ext uri="{BB962C8B-B14F-4D97-AF65-F5344CB8AC3E}">
+        <p14:creationId xmlns:p14="http://schemas.microsoft.com/office/powerpoint/2010/main" val="430691406"/>
       </p:ext>
     </p:extLst>
   </p:cSld>
@@ -6576,4 +10087,289 @@
   <a:objectDefaults/>
   <a:extraClrSchemeLst/>
 </a:theme>
+</file>
+
+<file path=ppt/theme/theme2.xml><?xml version="1.0" encoding="utf-8"?>
+<a:theme xmlns:a="http://schemas.openxmlformats.org/drawingml/2006/main" name="Office 테마">
+  <a:themeElements>
+    <a:clrScheme name="Office">
+      <a:dk1>
+        <a:sysClr val="windowText" lastClr="000000"/>
+      </a:dk1>
+      <a:lt1>
+        <a:sysClr val="window" lastClr="FFFFFF"/>
+      </a:lt1>
+      <a:dk2>
+        <a:srgbClr val="1F497D"/>
+      </a:dk2>
+      <a:lt2>
+        <a:srgbClr val="EEECE1"/>
+      </a:lt2>
+      <a:accent1>
+        <a:srgbClr val="4F81BD"/>
+      </a:accent1>
+      <a:accent2>
+        <a:srgbClr val="C0504D"/>
+      </a:accent2>
+      <a:accent3>
+        <a:srgbClr val="9BBB59"/>
+      </a:accent3>
+      <a:accent4>
+        <a:srgbClr val="8064A2"/>
+      </a:accent4>
+      <a:accent5>
+        <a:srgbClr val="4BACC6"/>
+      </a:accent5>
+      <a:accent6>
+        <a:srgbClr val="F79646"/>
+      </a:accent6>
+      <a:hlink>
+        <a:srgbClr val="0000FF"/>
+      </a:hlink>
+      <a:folHlink>
+        <a:srgbClr val="800080"/>
+      </a:folHlink>
+    </a:clrScheme>
+    <a:fontScheme name="Office">
+      <a:majorFont>
+        <a:latin typeface="맑은 고딕"/>
+        <a:ea typeface=""/>
+        <a:cs typeface=""/>
+        <a:font script="Jpan" typeface="ＭＳ Ｐゴシック"/>
+        <a:font script="Hang" typeface="맑은 고딕"/>
+        <a:font script="Hans" typeface="宋体"/>
+        <a:font script="Hant" typeface="新細明體"/>
+        <a:font script="Arab" typeface="Times New Roman"/>
+        <a:font script="Hebr" typeface="Times New Roman"/>
+        <a:font script="Thai" typeface="Angsana New"/>
+        <a:font script="Ethi" typeface="Nyala"/>
+        <a:font script="Beng" typeface="Vrinda"/>
+        <a:font script="Gujr" typeface="Shruti"/>
+        <a:font script="Khmr" typeface="MoolBoran"/>
+        <a:font script="Knda" typeface="Tunga"/>
+        <a:font script="Guru" typeface="Raavi"/>
+        <a:font script="Cans" typeface="Euphemia"/>
+        <a:font script="Cher" typeface="Plantagenet Cherokee"/>
+        <a:font script="Yiii" typeface="Microsoft Yi Baiti"/>
+        <a:font script="Tibt" typeface="Microsoft Himalaya"/>
+        <a:font script="Thaa" typeface="MV Boli"/>
+        <a:font script="Deva" typeface="Mangal"/>
+        <a:font script="Telu" typeface="Gautami"/>
+        <a:font script="Taml" typeface="Latha"/>
+        <a:font script="Syrc" typeface="Estrangelo Edessa"/>
+        <a:font script="Orya" typeface="Kalinga"/>
+        <a:font script="Mlym" typeface="Kartika"/>
+        <a:font script="Laoo" typeface="DokChampa"/>
+        <a:font script="Sinh" typeface="Iskoola Pota"/>
+        <a:font script="Mong" typeface="Mongolian Baiti"/>
+        <a:font script="Viet" typeface="Times New Roman"/>
+        <a:font script="Uigh" typeface="Microsoft Uighur"/>
+        <a:font script="Geor" typeface="Sylfaen"/>
+      </a:majorFont>
+      <a:minorFont>
+        <a:latin typeface="맑은 고딕"/>
+        <a:ea typeface=""/>
+        <a:cs typeface=""/>
+        <a:font script="Jpan" typeface="ＭＳ Ｐゴシック"/>
+        <a:font script="Hang" typeface="맑은 고딕"/>
+        <a:font script="Hans" typeface="宋体"/>
+        <a:font script="Hant" typeface="新細明體"/>
+        <a:font script="Arab" typeface="Arial"/>
+        <a:font script="Hebr" typeface="Arial"/>
+        <a:font script="Thai" typeface="Cordia New"/>
+        <a:font script="Ethi" typeface="Nyala"/>
+        <a:font script="Beng" typeface="Vrinda"/>
+        <a:font script="Gujr" typeface="Shruti"/>
+        <a:font script="Khmr" typeface="DaunPenh"/>
+        <a:font script="Knda" typeface="Tunga"/>
+        <a:font script="Guru" typeface="Raavi"/>
+        <a:font script="Cans" typeface="Euphemia"/>
+        <a:font script="Cher" typeface="Plantagenet Cherokee"/>
+        <a:font script="Yiii" typeface="Microsoft Yi Baiti"/>
+        <a:font script="Tibt" typeface="Microsoft Himalaya"/>
+        <a:font script="Thaa" typeface="MV Boli"/>
+        <a:font script="Deva" typeface="Mangal"/>
+        <a:font script="Telu" typeface="Gautami"/>
+        <a:font script="Taml" typeface="Latha"/>
+        <a:font script="Syrc" typeface="Estrangelo Edessa"/>
+        <a:font script="Orya" typeface="Kalinga"/>
+        <a:font script="Mlym" typeface="Kartika"/>
+        <a:font script="Laoo" typeface="DokChampa"/>
+        <a:font script="Sinh" typeface="Iskoola Pota"/>
+        <a:font script="Mong" typeface="Mongolian Baiti"/>
+        <a:font script="Viet" typeface="Arial"/>
+        <a:font script="Uigh" typeface="Microsoft Uighur"/>
+        <a:font script="Geor" typeface="Sylfaen"/>
+      </a:minorFont>
+    </a:fontScheme>
+    <a:fmtScheme name="Office">
+      <a:fillStyleLst>
+        <a:solidFill>
+          <a:schemeClr val="phClr"/>
+        </a:solidFill>
+        <a:gradFill rotWithShape="1">
+          <a:gsLst>
+            <a:gs pos="0">
+              <a:schemeClr val="phClr">
+                <a:tint val="50000"/>
+                <a:satMod val="300000"/>
+              </a:schemeClr>
+            </a:gs>
+            <a:gs pos="35000">
+              <a:schemeClr val="phClr">
+                <a:tint val="37000"/>
+                <a:satMod val="300000"/>
+              </a:schemeClr>
+            </a:gs>
+            <a:gs pos="100000">
+              <a:schemeClr val="phClr">
+                <a:tint val="15000"/>
+                <a:satMod val="350000"/>
+              </a:schemeClr>
+            </a:gs>
+          </a:gsLst>
+          <a:lin ang="16200000" scaled="1"/>
+        </a:gradFill>
+        <a:gradFill rotWithShape="1">
+          <a:gsLst>
+            <a:gs pos="0">
+              <a:schemeClr val="phClr">
+                <a:shade val="51000"/>
+                <a:satMod val="130000"/>
+              </a:schemeClr>
+            </a:gs>
+            <a:gs pos="80000">
+              <a:schemeClr val="phClr">
+                <a:shade val="93000"/>
+                <a:satMod val="130000"/>
+              </a:schemeClr>
+            </a:gs>
+            <a:gs pos="100000">
+              <a:schemeClr val="phClr">
+                <a:shade val="94000"/>
+                <a:satMod val="135000"/>
+              </a:schemeClr>
+            </a:gs>
+          </a:gsLst>
+          <a:lin ang="16200000" scaled="0"/>
+        </a:gradFill>
+      </a:fillStyleLst>
+      <a:lnStyleLst>
+        <a:ln w="9525" cap="flat" cmpd="sng" algn="ctr">
+          <a:solidFill>
+            <a:schemeClr val="phClr">
+              <a:shade val="95000"/>
+              <a:satMod val="105000"/>
+            </a:schemeClr>
+          </a:solidFill>
+          <a:prstDash val="solid"/>
+        </a:ln>
+        <a:ln w="25400" cap="flat" cmpd="sng" algn="ctr">
+          <a:solidFill>
+            <a:schemeClr val="phClr"/>
+          </a:solidFill>
+          <a:prstDash val="solid"/>
+        </a:ln>
+        <a:ln w="38100" cap="flat" cmpd="sng" algn="ctr">
+          <a:solidFill>
+            <a:schemeClr val="phClr"/>
+          </a:solidFill>
+          <a:prstDash val="solid"/>
+        </a:ln>
+      </a:lnStyleLst>
+      <a:effectStyleLst>
+        <a:effectStyle>
+          <a:effectLst>
+            <a:outerShdw blurRad="40000" dist="20000" dir="5400000" rotWithShape="0">
+              <a:srgbClr val="000000">
+                <a:alpha val="38000"/>
+              </a:srgbClr>
+            </a:outerShdw>
+          </a:effectLst>
+        </a:effectStyle>
+        <a:effectStyle>
+          <a:effectLst>
+            <a:outerShdw blurRad="40000" dist="23000" dir="5400000" rotWithShape="0">
+              <a:srgbClr val="000000">
+                <a:alpha val="35000"/>
+              </a:srgbClr>
+            </a:outerShdw>
+          </a:effectLst>
+        </a:effectStyle>
+        <a:effectStyle>
+          <a:effectLst>
+            <a:outerShdw blurRad="40000" dist="23000" dir="5400000" rotWithShape="0">
+              <a:srgbClr val="000000">
+                <a:alpha val="35000"/>
+              </a:srgbClr>
+            </a:outerShdw>
+          </a:effectLst>
+          <a:scene3d>
+            <a:camera prst="orthographicFront">
+              <a:rot lat="0" lon="0" rev="0"/>
+            </a:camera>
+            <a:lightRig rig="threePt" dir="t">
+              <a:rot lat="0" lon="0" rev="1200000"/>
+            </a:lightRig>
+          </a:scene3d>
+          <a:sp3d>
+            <a:bevelT w="63500" h="25400"/>
+          </a:sp3d>
+        </a:effectStyle>
+      </a:effectStyleLst>
+      <a:bgFillStyleLst>
+        <a:solidFill>
+          <a:schemeClr val="phClr"/>
+        </a:solidFill>
+        <a:gradFill rotWithShape="1">
+          <a:gsLst>
+            <a:gs pos="0">
+              <a:schemeClr val="phClr">
+                <a:tint val="40000"/>
+                <a:satMod val="350000"/>
+              </a:schemeClr>
+            </a:gs>
+            <a:gs pos="40000">
+              <a:schemeClr val="phClr">
+                <a:tint val="45000"/>
+                <a:shade val="99000"/>
+                <a:satMod val="350000"/>
+              </a:schemeClr>
+            </a:gs>
+            <a:gs pos="100000">
+              <a:schemeClr val="phClr">
+                <a:shade val="20000"/>
+                <a:satMod val="255000"/>
+              </a:schemeClr>
+            </a:gs>
+          </a:gsLst>
+          <a:path path="circle">
+            <a:fillToRect l="50000" t="-80000" r="50000" b="180000"/>
+          </a:path>
+        </a:gradFill>
+        <a:gradFill rotWithShape="1">
+          <a:gsLst>
+            <a:gs pos="0">
+              <a:schemeClr val="phClr">
+                <a:tint val="80000"/>
+                <a:satMod val="300000"/>
+              </a:schemeClr>
+            </a:gs>
+            <a:gs pos="100000">
+              <a:schemeClr val="phClr">
+                <a:shade val="30000"/>
+                <a:satMod val="200000"/>
+              </a:schemeClr>
+            </a:gs>
+          </a:gsLst>
+          <a:path path="circle">
+            <a:fillToRect l="50000" t="50000" r="50000" b="50000"/>
+          </a:path>
+        </a:gradFill>
+      </a:bgFillStyleLst>
+    </a:fmtScheme>
+  </a:themeElements>
+  <a:objectDefaults/>
+  <a:extraClrSchemeLst/>
+</a:theme>
 </file>